--- a/專題製作報告.pptx
+++ b/專題製作報告.pptx
@@ -5,7 +5,7 @@
     <p:sldMasterId id="2147484012" r:id="rId1"/>
   </p:sldMasterIdLst>
   <p:notesMasterIdLst>
-    <p:notesMasterId r:id="rId11"/>
+    <p:notesMasterId r:id="rId12"/>
   </p:notesMasterIdLst>
   <p:sldIdLst>
     <p:sldId id="256" r:id="rId2"/>
@@ -15,8 +15,9 @@
     <p:sldId id="259" r:id="rId6"/>
     <p:sldId id="264" r:id="rId7"/>
     <p:sldId id="267" r:id="rId8"/>
-    <p:sldId id="261" r:id="rId9"/>
-    <p:sldId id="265" r:id="rId10"/>
+    <p:sldId id="268" r:id="rId9"/>
+    <p:sldId id="261" r:id="rId10"/>
+    <p:sldId id="265" r:id="rId11"/>
   </p:sldIdLst>
   <p:sldSz cx="9144000" cy="6858000" type="screen4x3"/>
   <p:notesSz cx="6858000" cy="9144000"/>
@@ -134,6 +135,946 @@
 </p:presentation>
 </file>
 
+<file path=ppt/charts/chart1.xml><?xml version="1.0" encoding="utf-8"?>
+<c:chartSpace xmlns:c="http://schemas.openxmlformats.org/drawingml/2006/chart" xmlns:a="http://schemas.openxmlformats.org/drawingml/2006/main" xmlns:r="http://schemas.openxmlformats.org/officeDocument/2006/relationships">
+  <c:date1904 val="0"/>
+  <c:lang val="zh-TW"/>
+  <c:roundedCorners val="0"/>
+  <mc:AlternateContent xmlns:mc="http://schemas.openxmlformats.org/markup-compatibility/2006">
+    <mc:Choice xmlns:c14="http://schemas.microsoft.com/office/drawing/2007/8/2/chart" Requires="c14">
+      <c14:style val="102"/>
+    </mc:Choice>
+    <mc:Fallback>
+      <c:style val="2"/>
+    </mc:Fallback>
+  </mc:AlternateContent>
+  <c:chart>
+    <c:autoTitleDeleted val="0"/>
+    <c:plotArea>
+      <c:layout>
+        <c:manualLayout>
+          <c:layoutTarget val="inner"/>
+          <c:xMode val="edge"/>
+          <c:yMode val="edge"/>
+          <c:x val="0.28117825896762905"/>
+          <c:y val="0"/>
+          <c:w val="0.65815507436570431"/>
+          <c:h val="0.83829505686789152"/>
+        </c:manualLayout>
+      </c:layout>
+      <c:barChart>
+        <c:barDir val="bar"/>
+        <c:grouping val="stacked"/>
+        <c:varyColors val="0"/>
+        <c:ser>
+          <c:idx val="0"/>
+          <c:order val="0"/>
+          <c:tx>
+            <c:strRef>
+              <c:f>工作表1!$B$1</c:f>
+              <c:strCache>
+                <c:ptCount val="1"/>
+                <c:pt idx="0">
+                  <c:v>開始日期</c:v>
+                </c:pt>
+              </c:strCache>
+            </c:strRef>
+          </c:tx>
+          <c:spPr>
+            <a:noFill/>
+            <a:ln>
+              <a:noFill/>
+            </a:ln>
+            <a:effectLst/>
+          </c:spPr>
+          <c:invertIfNegative val="0"/>
+          <c:cat>
+            <c:strRef>
+              <c:f>工作表1!$A$2:$A$6</c:f>
+              <c:strCache>
+                <c:ptCount val="5"/>
+                <c:pt idx="0">
+                  <c:v>人物想法及建構細節</c:v>
+                </c:pt>
+                <c:pt idx="1">
+                  <c:v>匯入基本地形</c:v>
+                </c:pt>
+                <c:pt idx="2">
+                  <c:v>物理特性調整</c:v>
+                </c:pt>
+                <c:pt idx="3">
+                  <c:v>攝影機調整</c:v>
+                </c:pt>
+                <c:pt idx="4">
+                  <c:v>AssetBundle工作流程</c:v>
+                </c:pt>
+              </c:strCache>
+            </c:strRef>
+          </c:cat>
+          <c:val>
+            <c:numRef>
+              <c:f>工作表1!$B$2:$B$6</c:f>
+              <c:numCache>
+                <c:formatCode>m"月"d"日"</c:formatCode>
+                <c:ptCount val="5"/>
+                <c:pt idx="0">
+                  <c:v>43042</c:v>
+                </c:pt>
+                <c:pt idx="1">
+                  <c:v>43070</c:v>
+                </c:pt>
+                <c:pt idx="2">
+                  <c:v>43077</c:v>
+                </c:pt>
+                <c:pt idx="3">
+                  <c:v>43091</c:v>
+                </c:pt>
+                <c:pt idx="4">
+                  <c:v>43098</c:v>
+                </c:pt>
+              </c:numCache>
+            </c:numRef>
+          </c:val>
+        </c:ser>
+        <c:ser>
+          <c:idx val="1"/>
+          <c:order val="1"/>
+          <c:tx>
+            <c:strRef>
+              <c:f>工作表1!$D$1</c:f>
+              <c:strCache>
+                <c:ptCount val="1"/>
+                <c:pt idx="0">
+                  <c:v>日曆天</c:v>
+                </c:pt>
+              </c:strCache>
+            </c:strRef>
+          </c:tx>
+          <c:spPr>
+            <a:solidFill>
+              <a:schemeClr val="accent2"/>
+            </a:solidFill>
+            <a:ln>
+              <a:noFill/>
+            </a:ln>
+            <a:effectLst/>
+          </c:spPr>
+          <c:invertIfNegative val="0"/>
+          <c:dLbls>
+            <c:spPr>
+              <a:noFill/>
+              <a:ln>
+                <a:noFill/>
+              </a:ln>
+              <a:effectLst/>
+            </c:spPr>
+            <c:txPr>
+              <a:bodyPr rot="0" spcFirstLastPara="1" vertOverflow="ellipsis" vert="horz" wrap="square" lIns="38100" tIns="19050" rIns="38100" bIns="19050" anchor="ctr" anchorCtr="1">
+                <a:spAutoFit/>
+              </a:bodyPr>
+              <a:lstStyle/>
+              <a:p>
+                <a:pPr>
+                  <a:defRPr sz="900" b="0" i="0" u="none" strike="noStrike" kern="1200" baseline="0">
+                    <a:solidFill>
+                      <a:schemeClr val="tx1">
+                        <a:lumMod val="75000"/>
+                        <a:lumOff val="25000"/>
+                      </a:schemeClr>
+                    </a:solidFill>
+                    <a:latin typeface="+mn-lt"/>
+                    <a:ea typeface="+mn-ea"/>
+                    <a:cs typeface="+mn-cs"/>
+                  </a:defRPr>
+                </a:pPr>
+                <a:endParaRPr lang="zh-TW"/>
+              </a:p>
+            </c:txPr>
+            <c:showLegendKey val="0"/>
+            <c:showVal val="1"/>
+            <c:showCatName val="0"/>
+            <c:showSerName val="0"/>
+            <c:showPercent val="0"/>
+            <c:showBubbleSize val="0"/>
+            <c:showLeaderLines val="0"/>
+            <c:extLst>
+              <c:ext xmlns:c15="http://schemas.microsoft.com/office/drawing/2012/chart" uri="{CE6537A1-D6FC-4f65-9D91-7224C49458BB}">
+                <c15:layout/>
+                <c15:showLeaderLines val="1"/>
+                <c15:leaderLines>
+                  <c:spPr>
+                    <a:ln w="9525" cap="flat" cmpd="sng" algn="ctr">
+                      <a:solidFill>
+                        <a:schemeClr val="tx1">
+                          <a:lumMod val="35000"/>
+                          <a:lumOff val="65000"/>
+                        </a:schemeClr>
+                      </a:solidFill>
+                      <a:round/>
+                    </a:ln>
+                    <a:effectLst/>
+                  </c:spPr>
+                </c15:leaderLines>
+              </c:ext>
+            </c:extLst>
+          </c:dLbls>
+          <c:cat>
+            <c:strRef>
+              <c:f>工作表1!$A$2:$A$6</c:f>
+              <c:strCache>
+                <c:ptCount val="5"/>
+                <c:pt idx="0">
+                  <c:v>人物想法及建構細節</c:v>
+                </c:pt>
+                <c:pt idx="1">
+                  <c:v>匯入基本地形</c:v>
+                </c:pt>
+                <c:pt idx="2">
+                  <c:v>物理特性調整</c:v>
+                </c:pt>
+                <c:pt idx="3">
+                  <c:v>攝影機調整</c:v>
+                </c:pt>
+                <c:pt idx="4">
+                  <c:v>AssetBundle工作流程</c:v>
+                </c:pt>
+              </c:strCache>
+            </c:strRef>
+          </c:cat>
+          <c:val>
+            <c:numRef>
+              <c:f>工作表1!$D$2:$D$6</c:f>
+              <c:numCache>
+                <c:formatCode>General</c:formatCode>
+                <c:ptCount val="5"/>
+                <c:pt idx="0">
+                  <c:v>28</c:v>
+                </c:pt>
+                <c:pt idx="1">
+                  <c:v>7</c:v>
+                </c:pt>
+                <c:pt idx="2">
+                  <c:v>14</c:v>
+                </c:pt>
+                <c:pt idx="3">
+                  <c:v>7</c:v>
+                </c:pt>
+                <c:pt idx="4">
+                  <c:v>14</c:v>
+                </c:pt>
+              </c:numCache>
+            </c:numRef>
+          </c:val>
+        </c:ser>
+        <c:dLbls>
+          <c:showLegendKey val="0"/>
+          <c:showVal val="0"/>
+          <c:showCatName val="0"/>
+          <c:showSerName val="0"/>
+          <c:showPercent val="0"/>
+          <c:showBubbleSize val="0"/>
+        </c:dLbls>
+        <c:gapWidth val="150"/>
+        <c:overlap val="100"/>
+        <c:axId val="-463971648"/>
+        <c:axId val="-463971104"/>
+      </c:barChart>
+      <c:catAx>
+        <c:axId val="-463971648"/>
+        <c:scaling>
+          <c:orientation val="maxMin"/>
+        </c:scaling>
+        <c:delete val="0"/>
+        <c:axPos val="l"/>
+        <c:numFmt formatCode="General" sourceLinked="1"/>
+        <c:majorTickMark val="none"/>
+        <c:minorTickMark val="none"/>
+        <c:tickLblPos val="nextTo"/>
+        <c:spPr>
+          <a:noFill/>
+          <a:ln w="9525" cap="flat" cmpd="sng" algn="ctr">
+            <a:solidFill>
+              <a:schemeClr val="tx1">
+                <a:lumMod val="15000"/>
+                <a:lumOff val="85000"/>
+              </a:schemeClr>
+            </a:solidFill>
+            <a:round/>
+          </a:ln>
+          <a:effectLst/>
+        </c:spPr>
+        <c:txPr>
+          <a:bodyPr rot="-60000000" spcFirstLastPara="1" vertOverflow="ellipsis" vert="horz" wrap="square" anchor="ctr" anchorCtr="1"/>
+          <a:lstStyle/>
+          <a:p>
+            <a:pPr>
+              <a:defRPr sz="900" b="0" i="0" u="none" strike="noStrike" kern="1200" baseline="0">
+                <a:solidFill>
+                  <a:schemeClr val="tx1">
+                    <a:lumMod val="65000"/>
+                    <a:lumOff val="35000"/>
+                  </a:schemeClr>
+                </a:solidFill>
+                <a:latin typeface="+mn-lt"/>
+                <a:ea typeface="+mn-ea"/>
+                <a:cs typeface="+mn-cs"/>
+              </a:defRPr>
+            </a:pPr>
+            <a:endParaRPr lang="zh-TW"/>
+          </a:p>
+        </c:txPr>
+        <c:crossAx val="-463971104"/>
+        <c:crosses val="autoZero"/>
+        <c:auto val="1"/>
+        <c:lblAlgn val="ctr"/>
+        <c:lblOffset val="100"/>
+        <c:noMultiLvlLbl val="0"/>
+      </c:catAx>
+      <c:valAx>
+        <c:axId val="-463971104"/>
+        <c:scaling>
+          <c:orientation val="minMax"/>
+        </c:scaling>
+        <c:delete val="0"/>
+        <c:axPos val="t"/>
+        <c:majorGridlines>
+          <c:spPr>
+            <a:ln w="9525" cap="flat" cmpd="sng" algn="ctr">
+              <a:solidFill>
+                <a:schemeClr val="tx1">
+                  <a:lumMod val="15000"/>
+                  <a:lumOff val="85000"/>
+                </a:schemeClr>
+              </a:solidFill>
+              <a:round/>
+            </a:ln>
+            <a:effectLst/>
+          </c:spPr>
+        </c:majorGridlines>
+        <c:numFmt formatCode="m&quot;月&quot;d&quot;日&quot;" sourceLinked="1"/>
+        <c:majorTickMark val="none"/>
+        <c:minorTickMark val="none"/>
+        <c:tickLblPos val="nextTo"/>
+        <c:spPr>
+          <a:noFill/>
+          <a:ln>
+            <a:noFill/>
+          </a:ln>
+          <a:effectLst/>
+        </c:spPr>
+        <c:txPr>
+          <a:bodyPr rot="-60000000" spcFirstLastPara="1" vertOverflow="ellipsis" vert="horz" wrap="square" anchor="ctr" anchorCtr="1"/>
+          <a:lstStyle/>
+          <a:p>
+            <a:pPr>
+              <a:defRPr sz="900" b="0" i="0" u="none" strike="noStrike" kern="1200" baseline="0">
+                <a:solidFill>
+                  <a:schemeClr val="tx1">
+                    <a:lumMod val="65000"/>
+                    <a:lumOff val="35000"/>
+                  </a:schemeClr>
+                </a:solidFill>
+                <a:latin typeface="+mn-lt"/>
+                <a:ea typeface="+mn-ea"/>
+                <a:cs typeface="+mn-cs"/>
+              </a:defRPr>
+            </a:pPr>
+            <a:endParaRPr lang="zh-TW"/>
+          </a:p>
+        </c:txPr>
+        <c:crossAx val="-463971648"/>
+        <c:crosses val="autoZero"/>
+        <c:crossBetween val="between"/>
+      </c:valAx>
+      <c:spPr>
+        <a:noFill/>
+        <a:ln>
+          <a:noFill/>
+        </a:ln>
+        <a:effectLst/>
+      </c:spPr>
+    </c:plotArea>
+    <c:plotVisOnly val="1"/>
+    <c:dispBlanksAs val="gap"/>
+    <c:showDLblsOverMax val="0"/>
+  </c:chart>
+  <c:spPr>
+    <a:blipFill>
+      <a:blip xmlns:r="http://schemas.openxmlformats.org/officeDocument/2006/relationships" r:embed="rId3"/>
+      <a:tile tx="0" ty="0" sx="100000" sy="100000" flip="none" algn="tl"/>
+    </a:blipFill>
+    <a:ln w="9525" cap="flat" cmpd="sng" algn="ctr">
+      <a:solidFill>
+        <a:schemeClr val="tx1">
+          <a:lumMod val="15000"/>
+          <a:lumOff val="85000"/>
+        </a:schemeClr>
+      </a:solidFill>
+      <a:round/>
+    </a:ln>
+    <a:effectLst/>
+  </c:spPr>
+  <c:txPr>
+    <a:bodyPr/>
+    <a:lstStyle/>
+    <a:p>
+      <a:pPr>
+        <a:defRPr/>
+      </a:pPr>
+      <a:endParaRPr lang="zh-TW"/>
+    </a:p>
+  </c:txPr>
+  <c:externalData r:id="rId4">
+    <c:autoUpdate val="0"/>
+  </c:externalData>
+</c:chartSpace>
+</file>
+
+<file path=ppt/charts/colors1.xml><?xml version="1.0" encoding="utf-8"?>
+<cs:colorStyle xmlns:cs="http://schemas.microsoft.com/office/drawing/2012/chartStyle" xmlns:a="http://schemas.openxmlformats.org/drawingml/2006/main" meth="cycle" id="10">
+  <a:schemeClr val="accent1"/>
+  <a:schemeClr val="accent2"/>
+  <a:schemeClr val="accent3"/>
+  <a:schemeClr val="accent4"/>
+  <a:schemeClr val="accent5"/>
+  <a:schemeClr val="accent6"/>
+  <cs:variation/>
+  <cs:variation>
+    <a:lumMod val="60000"/>
+  </cs:variation>
+  <cs:variation>
+    <a:lumMod val="80000"/>
+    <a:lumOff val="20000"/>
+  </cs:variation>
+  <cs:variation>
+    <a:lumMod val="80000"/>
+  </cs:variation>
+  <cs:variation>
+    <a:lumMod val="60000"/>
+    <a:lumOff val="40000"/>
+  </cs:variation>
+  <cs:variation>
+    <a:lumMod val="50000"/>
+  </cs:variation>
+  <cs:variation>
+    <a:lumMod val="70000"/>
+    <a:lumOff val="30000"/>
+  </cs:variation>
+  <cs:variation>
+    <a:lumMod val="70000"/>
+  </cs:variation>
+  <cs:variation>
+    <a:lumMod val="50000"/>
+    <a:lumOff val="50000"/>
+  </cs:variation>
+</cs:colorStyle>
+</file>
+
+<file path=ppt/charts/style1.xml><?xml version="1.0" encoding="utf-8"?>
+<cs:chartStyle xmlns:cs="http://schemas.microsoft.com/office/drawing/2012/chartStyle" xmlns:a="http://schemas.openxmlformats.org/drawingml/2006/main" id="297">
+  <cs:axisTitle>
+    <cs:lnRef idx="0"/>
+    <cs:fillRef idx="0"/>
+    <cs:effectRef idx="0"/>
+    <cs:fontRef idx="minor">
+      <a:schemeClr val="tx1">
+        <a:lumMod val="65000"/>
+        <a:lumOff val="35000"/>
+      </a:schemeClr>
+    </cs:fontRef>
+    <cs:defRPr sz="1000" kern="1200"/>
+  </cs:axisTitle>
+  <cs:categoryAxis>
+    <cs:lnRef idx="0"/>
+    <cs:fillRef idx="0"/>
+    <cs:effectRef idx="0"/>
+    <cs:fontRef idx="minor">
+      <a:schemeClr val="tx1">
+        <a:lumMod val="65000"/>
+        <a:lumOff val="35000"/>
+      </a:schemeClr>
+    </cs:fontRef>
+    <cs:spPr>
+      <a:ln w="9525" cap="flat" cmpd="sng" algn="ctr">
+        <a:solidFill>
+          <a:schemeClr val="tx1">
+            <a:lumMod val="15000"/>
+            <a:lumOff val="85000"/>
+          </a:schemeClr>
+        </a:solidFill>
+        <a:round/>
+      </a:ln>
+    </cs:spPr>
+    <cs:defRPr sz="900" kern="1200"/>
+  </cs:categoryAxis>
+  <cs:chartArea mods="allowNoFillOverride allowNoLineOverride">
+    <cs:lnRef idx="0"/>
+    <cs:fillRef idx="0"/>
+    <cs:effectRef idx="0"/>
+    <cs:fontRef idx="minor">
+      <a:schemeClr val="tx1"/>
+    </cs:fontRef>
+    <cs:spPr>
+      <a:solidFill>
+        <a:schemeClr val="bg1"/>
+      </a:solidFill>
+      <a:ln w="9525" cap="flat" cmpd="sng" algn="ctr">
+        <a:solidFill>
+          <a:schemeClr val="tx1">
+            <a:lumMod val="15000"/>
+            <a:lumOff val="85000"/>
+          </a:schemeClr>
+        </a:solidFill>
+        <a:round/>
+      </a:ln>
+    </cs:spPr>
+    <cs:defRPr sz="1000" kern="1200"/>
+  </cs:chartArea>
+  <cs:dataLabel>
+    <cs:lnRef idx="0"/>
+    <cs:fillRef idx="0"/>
+    <cs:effectRef idx="0"/>
+    <cs:fontRef idx="minor">
+      <a:schemeClr val="tx1">
+        <a:lumMod val="75000"/>
+        <a:lumOff val="25000"/>
+      </a:schemeClr>
+    </cs:fontRef>
+    <cs:defRPr sz="900" kern="1200"/>
+  </cs:dataLabel>
+  <cs:dataLabelCallout>
+    <cs:lnRef idx="0"/>
+    <cs:fillRef idx="0"/>
+    <cs:effectRef idx="0"/>
+    <cs:fontRef idx="minor">
+      <a:schemeClr val="dk1">
+        <a:lumMod val="65000"/>
+        <a:lumOff val="35000"/>
+      </a:schemeClr>
+    </cs:fontRef>
+    <cs:spPr>
+      <a:solidFill>
+        <a:schemeClr val="lt1"/>
+      </a:solidFill>
+      <a:ln>
+        <a:solidFill>
+          <a:schemeClr val="dk1">
+            <a:lumMod val="25000"/>
+            <a:lumOff val="75000"/>
+          </a:schemeClr>
+        </a:solidFill>
+      </a:ln>
+    </cs:spPr>
+    <cs:defRPr sz="900" kern="1200"/>
+    <cs:bodyPr rot="0" spcFirstLastPara="1" vertOverflow="clip" horzOverflow="clip" vert="horz" wrap="square" lIns="36576" tIns="18288" rIns="36576" bIns="18288" anchor="ctr" anchorCtr="1">
+      <a:spAutoFit/>
+    </cs:bodyPr>
+  </cs:dataLabelCallout>
+  <cs:dataPoint>
+    <cs:lnRef idx="0"/>
+    <cs:fillRef idx="1">
+      <cs:styleClr val="auto"/>
+    </cs:fillRef>
+    <cs:effectRef idx="0"/>
+    <cs:fontRef idx="minor">
+      <a:schemeClr val="tx1"/>
+    </cs:fontRef>
+  </cs:dataPoint>
+  <cs:dataPoint3D>
+    <cs:lnRef idx="0"/>
+    <cs:fillRef idx="1">
+      <cs:styleClr val="auto"/>
+    </cs:fillRef>
+    <cs:effectRef idx="0"/>
+    <cs:fontRef idx="minor">
+      <a:schemeClr val="tx1"/>
+    </cs:fontRef>
+  </cs:dataPoint3D>
+  <cs:dataPointLine>
+    <cs:lnRef idx="0">
+      <cs:styleClr val="auto"/>
+    </cs:lnRef>
+    <cs:fillRef idx="1"/>
+    <cs:effectRef idx="0"/>
+    <cs:fontRef idx="minor">
+      <a:schemeClr val="tx1"/>
+    </cs:fontRef>
+    <cs:spPr>
+      <a:ln w="28575" cap="rnd">
+        <a:solidFill>
+          <a:schemeClr val="phClr"/>
+        </a:solidFill>
+        <a:round/>
+      </a:ln>
+    </cs:spPr>
+  </cs:dataPointLine>
+  <cs:dataPointMarker>
+    <cs:lnRef idx="0">
+      <cs:styleClr val="auto"/>
+    </cs:lnRef>
+    <cs:fillRef idx="1">
+      <cs:styleClr val="auto"/>
+    </cs:fillRef>
+    <cs:effectRef idx="0"/>
+    <cs:fontRef idx="minor">
+      <a:schemeClr val="tx1"/>
+    </cs:fontRef>
+    <cs:spPr>
+      <a:ln w="9525">
+        <a:solidFill>
+          <a:schemeClr val="phClr"/>
+        </a:solidFill>
+      </a:ln>
+    </cs:spPr>
+  </cs:dataPointMarker>
+  <cs:dataPointMarkerLayout symbol="circle" size="5"/>
+  <cs:dataPointWireframe>
+    <cs:lnRef idx="0">
+      <cs:styleClr val="auto"/>
+    </cs:lnRef>
+    <cs:fillRef idx="1"/>
+    <cs:effectRef idx="0"/>
+    <cs:fontRef idx="minor">
+      <a:schemeClr val="tx1"/>
+    </cs:fontRef>
+    <cs:spPr>
+      <a:ln w="9525" cap="rnd">
+        <a:solidFill>
+          <a:schemeClr val="phClr"/>
+        </a:solidFill>
+        <a:round/>
+      </a:ln>
+    </cs:spPr>
+  </cs:dataPointWireframe>
+  <cs:dataTable>
+    <cs:lnRef idx="0"/>
+    <cs:fillRef idx="0"/>
+    <cs:effectRef idx="0"/>
+    <cs:fontRef idx="minor">
+      <a:schemeClr val="tx1">
+        <a:lumMod val="65000"/>
+        <a:lumOff val="35000"/>
+      </a:schemeClr>
+    </cs:fontRef>
+    <cs:spPr>
+      <a:noFill/>
+      <a:ln w="9525" cap="flat" cmpd="sng" algn="ctr">
+        <a:solidFill>
+          <a:schemeClr val="tx1">
+            <a:lumMod val="15000"/>
+            <a:lumOff val="85000"/>
+          </a:schemeClr>
+        </a:solidFill>
+        <a:round/>
+      </a:ln>
+    </cs:spPr>
+    <cs:defRPr sz="900" kern="1200"/>
+  </cs:dataTable>
+  <cs:downBar>
+    <cs:lnRef idx="0"/>
+    <cs:fillRef idx="0"/>
+    <cs:effectRef idx="0"/>
+    <cs:fontRef idx="minor">
+      <a:schemeClr val="tx1"/>
+    </cs:fontRef>
+    <cs:spPr>
+      <a:solidFill>
+        <a:schemeClr val="dk1">
+          <a:lumMod val="75000"/>
+          <a:lumOff val="25000"/>
+        </a:schemeClr>
+      </a:solidFill>
+      <a:ln w="9525" cap="flat" cmpd="sng" algn="ctr">
+        <a:solidFill>
+          <a:schemeClr val="tx1">
+            <a:lumMod val="65000"/>
+            <a:lumOff val="35000"/>
+          </a:schemeClr>
+        </a:solidFill>
+        <a:round/>
+      </a:ln>
+    </cs:spPr>
+  </cs:downBar>
+  <cs:dropLine>
+    <cs:lnRef idx="0"/>
+    <cs:fillRef idx="0"/>
+    <cs:effectRef idx="0"/>
+    <cs:fontRef idx="minor">
+      <a:schemeClr val="tx1"/>
+    </cs:fontRef>
+    <cs:spPr>
+      <a:ln w="9525" cap="flat" cmpd="sng" algn="ctr">
+        <a:solidFill>
+          <a:schemeClr val="tx1">
+            <a:lumMod val="35000"/>
+            <a:lumOff val="65000"/>
+          </a:schemeClr>
+        </a:solidFill>
+        <a:round/>
+      </a:ln>
+    </cs:spPr>
+  </cs:dropLine>
+  <cs:errorBar>
+    <cs:lnRef idx="0"/>
+    <cs:fillRef idx="0"/>
+    <cs:effectRef idx="0"/>
+    <cs:fontRef idx="minor">
+      <a:schemeClr val="tx1"/>
+    </cs:fontRef>
+    <cs:spPr>
+      <a:ln w="9525" cap="flat" cmpd="sng" algn="ctr">
+        <a:solidFill>
+          <a:schemeClr val="tx1">
+            <a:lumMod val="65000"/>
+            <a:lumOff val="35000"/>
+          </a:schemeClr>
+        </a:solidFill>
+        <a:round/>
+      </a:ln>
+    </cs:spPr>
+  </cs:errorBar>
+  <cs:floor>
+    <cs:lnRef idx="0"/>
+    <cs:fillRef idx="0"/>
+    <cs:effectRef idx="0"/>
+    <cs:fontRef idx="minor">
+      <a:schemeClr val="tx1"/>
+    </cs:fontRef>
+    <cs:spPr>
+      <a:noFill/>
+      <a:ln>
+        <a:noFill/>
+      </a:ln>
+    </cs:spPr>
+  </cs:floor>
+  <cs:gridlineMajor>
+    <cs:lnRef idx="0"/>
+    <cs:fillRef idx="0"/>
+    <cs:effectRef idx="0"/>
+    <cs:fontRef idx="minor">
+      <a:schemeClr val="tx1"/>
+    </cs:fontRef>
+    <cs:spPr>
+      <a:ln w="9525" cap="flat" cmpd="sng" algn="ctr">
+        <a:solidFill>
+          <a:schemeClr val="tx1">
+            <a:lumMod val="15000"/>
+            <a:lumOff val="85000"/>
+          </a:schemeClr>
+        </a:solidFill>
+        <a:round/>
+      </a:ln>
+    </cs:spPr>
+  </cs:gridlineMajor>
+  <cs:gridlineMinor>
+    <cs:lnRef idx="0"/>
+    <cs:fillRef idx="0"/>
+    <cs:effectRef idx="0"/>
+    <cs:fontRef idx="minor">
+      <a:schemeClr val="tx1"/>
+    </cs:fontRef>
+    <cs:spPr>
+      <a:ln w="9525" cap="flat" cmpd="sng" algn="ctr">
+        <a:solidFill>
+          <a:schemeClr val="tx1">
+            <a:lumMod val="5000"/>
+            <a:lumOff val="95000"/>
+          </a:schemeClr>
+        </a:solidFill>
+        <a:round/>
+      </a:ln>
+    </cs:spPr>
+  </cs:gridlineMinor>
+  <cs:hiLoLine>
+    <cs:lnRef idx="0"/>
+    <cs:fillRef idx="0"/>
+    <cs:effectRef idx="0"/>
+    <cs:fontRef idx="minor">
+      <a:schemeClr val="tx1"/>
+    </cs:fontRef>
+    <cs:spPr>
+      <a:ln w="9525" cap="flat" cmpd="sng" algn="ctr">
+        <a:solidFill>
+          <a:schemeClr val="tx1">
+            <a:lumMod val="50000"/>
+            <a:lumOff val="50000"/>
+          </a:schemeClr>
+        </a:solidFill>
+        <a:round/>
+      </a:ln>
+    </cs:spPr>
+  </cs:hiLoLine>
+  <cs:leaderLine>
+    <cs:lnRef idx="0"/>
+    <cs:fillRef idx="0"/>
+    <cs:effectRef idx="0"/>
+    <cs:fontRef idx="minor">
+      <a:schemeClr val="tx1"/>
+    </cs:fontRef>
+    <cs:spPr>
+      <a:ln w="9525" cap="flat" cmpd="sng" algn="ctr">
+        <a:solidFill>
+          <a:schemeClr val="tx1">
+            <a:lumMod val="35000"/>
+            <a:lumOff val="65000"/>
+          </a:schemeClr>
+        </a:solidFill>
+        <a:round/>
+      </a:ln>
+    </cs:spPr>
+  </cs:leaderLine>
+  <cs:legend>
+    <cs:lnRef idx="0"/>
+    <cs:fillRef idx="0"/>
+    <cs:effectRef idx="0"/>
+    <cs:fontRef idx="minor">
+      <a:schemeClr val="tx1">
+        <a:lumMod val="65000"/>
+        <a:lumOff val="35000"/>
+      </a:schemeClr>
+    </cs:fontRef>
+    <cs:defRPr sz="900" kern="1200"/>
+  </cs:legend>
+  <cs:plotArea mods="allowNoFillOverride allowNoLineOverride">
+    <cs:lnRef idx="0"/>
+    <cs:fillRef idx="0"/>
+    <cs:effectRef idx="0"/>
+    <cs:fontRef idx="minor">
+      <a:schemeClr val="tx1"/>
+    </cs:fontRef>
+  </cs:plotArea>
+  <cs:plotArea3D mods="allowNoFillOverride allowNoLineOverride">
+    <cs:lnRef idx="0"/>
+    <cs:fillRef idx="0"/>
+    <cs:effectRef idx="0"/>
+    <cs:fontRef idx="minor">
+      <a:schemeClr val="tx1"/>
+    </cs:fontRef>
+  </cs:plotArea3D>
+  <cs:seriesAxis>
+    <cs:lnRef idx="0"/>
+    <cs:fillRef idx="0"/>
+    <cs:effectRef idx="0"/>
+    <cs:fontRef idx="minor">
+      <a:schemeClr val="tx1">
+        <a:lumMod val="65000"/>
+        <a:lumOff val="35000"/>
+      </a:schemeClr>
+    </cs:fontRef>
+    <cs:defRPr sz="900" kern="1200"/>
+  </cs:seriesAxis>
+  <cs:seriesLine>
+    <cs:lnRef idx="0"/>
+    <cs:fillRef idx="0"/>
+    <cs:effectRef idx="0"/>
+    <cs:fontRef idx="minor">
+      <a:schemeClr val="tx1"/>
+    </cs:fontRef>
+    <cs:spPr>
+      <a:ln w="9525" cap="flat" cmpd="sng" algn="ctr">
+        <a:solidFill>
+          <a:schemeClr val="tx1">
+            <a:lumMod val="35000"/>
+            <a:lumOff val="65000"/>
+          </a:schemeClr>
+        </a:solidFill>
+        <a:round/>
+      </a:ln>
+    </cs:spPr>
+  </cs:seriesLine>
+  <cs:title>
+    <cs:lnRef idx="0"/>
+    <cs:fillRef idx="0"/>
+    <cs:effectRef idx="0"/>
+    <cs:fontRef idx="minor">
+      <a:schemeClr val="tx1">
+        <a:lumMod val="65000"/>
+        <a:lumOff val="35000"/>
+      </a:schemeClr>
+    </cs:fontRef>
+    <cs:defRPr sz="1400" b="0" kern="1200" spc="0" baseline="0"/>
+  </cs:title>
+  <cs:trendline>
+    <cs:lnRef idx="0">
+      <cs:styleClr val="auto"/>
+    </cs:lnRef>
+    <cs:fillRef idx="0"/>
+    <cs:effectRef idx="0"/>
+    <cs:fontRef idx="minor">
+      <a:schemeClr val="tx1"/>
+    </cs:fontRef>
+    <cs:spPr>
+      <a:ln w="19050" cap="rnd">
+        <a:solidFill>
+          <a:schemeClr val="phClr"/>
+        </a:solidFill>
+        <a:prstDash val="sysDot"/>
+      </a:ln>
+    </cs:spPr>
+  </cs:trendline>
+  <cs:trendlineLabel>
+    <cs:lnRef idx="0"/>
+    <cs:fillRef idx="0"/>
+    <cs:effectRef idx="0"/>
+    <cs:fontRef idx="minor">
+      <a:schemeClr val="tx1">
+        <a:lumMod val="65000"/>
+        <a:lumOff val="35000"/>
+      </a:schemeClr>
+    </cs:fontRef>
+    <cs:defRPr sz="900" kern="1200"/>
+  </cs:trendlineLabel>
+  <cs:upBar>
+    <cs:lnRef idx="0"/>
+    <cs:fillRef idx="0"/>
+    <cs:effectRef idx="0"/>
+    <cs:fontRef idx="minor">
+      <a:schemeClr val="tx1"/>
+    </cs:fontRef>
+    <cs:spPr>
+      <a:solidFill>
+        <a:schemeClr val="lt1"/>
+      </a:solidFill>
+      <a:ln w="9525" cap="flat" cmpd="sng" algn="ctr">
+        <a:solidFill>
+          <a:schemeClr val="tx1">
+            <a:lumMod val="65000"/>
+            <a:lumOff val="35000"/>
+          </a:schemeClr>
+        </a:solidFill>
+        <a:round/>
+      </a:ln>
+    </cs:spPr>
+  </cs:upBar>
+  <cs:valueAxis>
+    <cs:lnRef idx="0"/>
+    <cs:fillRef idx="0"/>
+    <cs:effectRef idx="0"/>
+    <cs:fontRef idx="minor">
+      <a:schemeClr val="tx1">
+        <a:lumMod val="65000"/>
+        <a:lumOff val="35000"/>
+      </a:schemeClr>
+    </cs:fontRef>
+    <cs:defRPr sz="900" kern="1200"/>
+  </cs:valueAxis>
+  <cs:wall>
+    <cs:lnRef idx="0"/>
+    <cs:fillRef idx="0"/>
+    <cs:effectRef idx="0"/>
+    <cs:fontRef idx="minor">
+      <a:schemeClr val="tx1"/>
+    </cs:fontRef>
+    <cs:spPr>
+      <a:noFill/>
+      <a:ln>
+        <a:noFill/>
+      </a:ln>
+    </cs:spPr>
+  </cs:wall>
+</cs:chartStyle>
+</file>
+
 <file path=ppt/notesMasters/notesMaster1.xml><?xml version="1.0" encoding="utf-8"?>
 <p:notesMaster xmlns:a="http://schemas.openxmlformats.org/drawingml/2006/main" xmlns:r="http://schemas.openxmlformats.org/officeDocument/2006/relationships" xmlns:p="http://schemas.openxmlformats.org/presentationml/2006/main">
   <p:cSld>
@@ -216,7 +1157,7 @@
           <a:p>
             <a:fld id="{38DE97D5-048F-4ACF-A4A9-5A1BAC9518CB}" type="datetimeFigureOut">
               <a:rPr lang="zh-TW" altLang="en-US" smtClean="0"/>
-              <a:t>2017/12/13</a:t>
+              <a:t>2017/12/20</a:t>
             </a:fld>
             <a:endParaRPr lang="zh-TW" altLang="en-US"/>
           </a:p>
@@ -840,7 +1781,7 @@
           <a:p>
             <a:fld id="{78947630-99FB-4878-B529-0D5280843278}" type="datetimeFigureOut">
               <a:rPr lang="zh-TW" altLang="en-US" smtClean="0"/>
-              <a:t>2017/12/13</a:t>
+              <a:t>2017/12/20</a:t>
             </a:fld>
             <a:endParaRPr lang="zh-TW" altLang="en-US"/>
           </a:p>
@@ -1172,7 +2113,7 @@
           <a:p>
             <a:fld id="{78947630-99FB-4878-B529-0D5280843278}" type="datetimeFigureOut">
               <a:rPr lang="zh-TW" altLang="en-US" smtClean="0"/>
-              <a:t>2017/12/13</a:t>
+              <a:t>2017/12/20</a:t>
             </a:fld>
             <a:endParaRPr lang="zh-TW" altLang="en-US"/>
           </a:p>
@@ -1571,7 +2512,7 @@
           <a:p>
             <a:fld id="{78947630-99FB-4878-B529-0D5280843278}" type="datetimeFigureOut">
               <a:rPr lang="zh-TW" altLang="en-US" smtClean="0"/>
-              <a:t>2017/12/13</a:t>
+              <a:t>2017/12/20</a:t>
             </a:fld>
             <a:endParaRPr lang="zh-TW" altLang="en-US"/>
           </a:p>
@@ -1905,7 +2846,7 @@
           <a:p>
             <a:fld id="{78947630-99FB-4878-B529-0D5280843278}" type="datetimeFigureOut">
               <a:rPr lang="zh-TW" altLang="en-US" smtClean="0"/>
-              <a:t>2017/12/13</a:t>
+              <a:t>2017/12/20</a:t>
             </a:fld>
             <a:endParaRPr lang="zh-TW" altLang="en-US"/>
           </a:p>
@@ -2223,7 +3164,7 @@
           <a:p>
             <a:fld id="{78947630-99FB-4878-B529-0D5280843278}" type="datetimeFigureOut">
               <a:rPr lang="zh-TW" altLang="en-US" smtClean="0"/>
-              <a:t>2017/12/13</a:t>
+              <a:t>2017/12/20</a:t>
             </a:fld>
             <a:endParaRPr lang="zh-TW" altLang="en-US"/>
           </a:p>
@@ -2617,7 +3558,7 @@
           <a:p>
             <a:fld id="{78947630-99FB-4878-B529-0D5280843278}" type="datetimeFigureOut">
               <a:rPr lang="zh-TW" altLang="en-US" smtClean="0"/>
-              <a:t>2017/12/13</a:t>
+              <a:t>2017/12/20</a:t>
             </a:fld>
             <a:endParaRPr lang="zh-TW" altLang="en-US"/>
           </a:p>
@@ -2872,7 +3813,7 @@
           <a:p>
             <a:fld id="{78947630-99FB-4878-B529-0D5280843278}" type="datetimeFigureOut">
               <a:rPr lang="zh-TW" altLang="en-US" smtClean="0"/>
-              <a:t>2017/12/13</a:t>
+              <a:t>2017/12/20</a:t>
             </a:fld>
             <a:endParaRPr lang="zh-TW" altLang="en-US"/>
           </a:p>
@@ -3132,7 +4073,7 @@
           <a:p>
             <a:fld id="{78947630-99FB-4878-B529-0D5280843278}" type="datetimeFigureOut">
               <a:rPr lang="zh-TW" altLang="en-US" smtClean="0"/>
-              <a:t>2017/12/13</a:t>
+              <a:t>2017/12/20</a:t>
             </a:fld>
             <a:endParaRPr lang="zh-TW" altLang="en-US"/>
           </a:p>
@@ -3392,7 +4333,7 @@
           <a:p>
             <a:fld id="{78947630-99FB-4878-B529-0D5280843278}" type="datetimeFigureOut">
               <a:rPr lang="zh-TW" altLang="en-US" smtClean="0"/>
-              <a:t>2017/12/13</a:t>
+              <a:t>2017/12/20</a:t>
             </a:fld>
             <a:endParaRPr lang="zh-TW" altLang="en-US"/>
           </a:p>
@@ -3719,7 +4660,7 @@
           <a:p>
             <a:fld id="{78947630-99FB-4878-B529-0D5280843278}" type="datetimeFigureOut">
               <a:rPr lang="zh-TW" altLang="en-US" smtClean="0"/>
-              <a:t>2017/12/13</a:t>
+              <a:t>2017/12/20</a:t>
             </a:fld>
             <a:endParaRPr lang="zh-TW" altLang="en-US"/>
           </a:p>
@@ -4040,7 +4981,7 @@
           <a:p>
             <a:fld id="{78947630-99FB-4878-B529-0D5280843278}" type="datetimeFigureOut">
               <a:rPr lang="zh-TW" altLang="en-US" smtClean="0"/>
-              <a:t>2017/12/13</a:t>
+              <a:t>2017/12/20</a:t>
             </a:fld>
             <a:endParaRPr lang="zh-TW" altLang="en-US"/>
           </a:p>
@@ -4495,7 +5436,7 @@
           <a:p>
             <a:fld id="{78947630-99FB-4878-B529-0D5280843278}" type="datetimeFigureOut">
               <a:rPr lang="zh-TW" altLang="en-US" smtClean="0"/>
-              <a:t>2017/12/13</a:t>
+              <a:t>2017/12/20</a:t>
             </a:fld>
             <a:endParaRPr lang="zh-TW" altLang="en-US"/>
           </a:p>
@@ -4703,7 +5644,7 @@
           <a:p>
             <a:fld id="{78947630-99FB-4878-B529-0D5280843278}" type="datetimeFigureOut">
               <a:rPr lang="zh-TW" altLang="en-US" smtClean="0"/>
-              <a:t>2017/12/13</a:t>
+              <a:t>2017/12/20</a:t>
             </a:fld>
             <a:endParaRPr lang="zh-TW" altLang="en-US"/>
           </a:p>
@@ -4878,7 +5819,7 @@
           <a:p>
             <a:fld id="{78947630-99FB-4878-B529-0D5280843278}" type="datetimeFigureOut">
               <a:rPr lang="zh-TW" altLang="en-US" smtClean="0"/>
-              <a:t>2017/12/13</a:t>
+              <a:t>2017/12/20</a:t>
             </a:fld>
             <a:endParaRPr lang="zh-TW" altLang="en-US"/>
           </a:p>
@@ -5209,7 +6150,7 @@
           <a:p>
             <a:fld id="{78947630-99FB-4878-B529-0D5280843278}" type="datetimeFigureOut">
               <a:rPr lang="zh-TW" altLang="en-US" smtClean="0"/>
-              <a:t>2017/12/13</a:t>
+              <a:t>2017/12/20</a:t>
             </a:fld>
             <a:endParaRPr lang="zh-TW" altLang="en-US"/>
           </a:p>
@@ -5552,7 +6493,7 @@
           <a:p>
             <a:fld id="{78947630-99FB-4878-B529-0D5280843278}" type="datetimeFigureOut">
               <a:rPr lang="zh-TW" altLang="en-US" smtClean="0"/>
-              <a:t>2017/12/13</a:t>
+              <a:t>2017/12/20</a:t>
             </a:fld>
             <a:endParaRPr lang="zh-TW" altLang="en-US"/>
           </a:p>
@@ -7667,7 +8608,7 @@
           <a:p>
             <a:fld id="{78947630-99FB-4878-B529-0D5280843278}" type="datetimeFigureOut">
               <a:rPr lang="zh-TW" altLang="en-US" smtClean="0"/>
-              <a:t>2017/12/13</a:t>
+              <a:t>2017/12/20</a:t>
             </a:fld>
             <a:endParaRPr lang="zh-TW" altLang="en-US"/>
           </a:p>
@@ -8486,6 +9427,245 @@
 </p:sld>
 </file>
 
+<file path=ppt/slides/slide10.xml><?xml version="1.0" encoding="utf-8"?>
+<p:sld xmlns:a="http://schemas.openxmlformats.org/drawingml/2006/main" xmlns:r="http://schemas.openxmlformats.org/officeDocument/2006/relationships" xmlns:p="http://schemas.openxmlformats.org/presentationml/2006/main">
+  <p:cSld>
+    <p:spTree>
+      <p:nvGrpSpPr>
+        <p:cNvPr id="1" name=""/>
+        <p:cNvGrpSpPr/>
+        <p:nvPr/>
+      </p:nvGrpSpPr>
+      <p:grpSpPr>
+        <a:xfrm>
+          <a:off x="0" y="0"/>
+          <a:ext cx="0" cy="0"/>
+          <a:chOff x="0" y="0"/>
+          <a:chExt cx="0" cy="0"/>
+        </a:xfrm>
+      </p:grpSpPr>
+      <p:sp>
+        <p:nvSpPr>
+          <p:cNvPr id="3" name="標題 2"/>
+          <p:cNvSpPr>
+            <a:spLocks noGrp="1"/>
+          </p:cNvSpPr>
+          <p:nvPr>
+            <p:ph type="title"/>
+          </p:nvPr>
+        </p:nvSpPr>
+        <p:spPr>
+          <a:xfrm>
+            <a:off x="2195736" y="3356992"/>
+            <a:ext cx="5112568" cy="1656184"/>
+          </a:xfrm>
+        </p:spPr>
+        <p:txBody>
+          <a:bodyPr>
+            <a:noAutofit/>
+          </a:bodyPr>
+          <a:lstStyle/>
+          <a:p>
+            <a:r>
+              <a:rPr lang="zh-TW" altLang="en-US" sz="9600" b="1" dirty="0" smtClean="0">
+                <a:solidFill>
+                  <a:schemeClr val="accent1">
+                    <a:lumMod val="75000"/>
+                  </a:schemeClr>
+                </a:solidFill>
+                <a:effectLst>
+                  <a:outerShdw blurRad="38100" dist="38100" dir="2700000" algn="tl">
+                    <a:srgbClr val="000000">
+                      <a:alpha val="43137"/>
+                    </a:srgbClr>
+                  </a:outerShdw>
+                </a:effectLst>
+              </a:rPr>
+              <a:t>謝謝老</a:t>
+            </a:r>
+            <a:r>
+              <a:rPr lang="zh-TW" altLang="en-US" sz="9600" b="1" dirty="0">
+                <a:solidFill>
+                  <a:schemeClr val="accent1">
+                    <a:lumMod val="75000"/>
+                  </a:schemeClr>
+                </a:solidFill>
+                <a:effectLst>
+                  <a:outerShdw blurRad="38100" dist="38100" dir="2700000" algn="tl">
+                    <a:srgbClr val="000000">
+                      <a:alpha val="43137"/>
+                    </a:srgbClr>
+                  </a:outerShdw>
+                </a:effectLst>
+              </a:rPr>
+              <a:t>師</a:t>
+            </a:r>
+          </a:p>
+        </p:txBody>
+      </p:sp>
+      <p:sp>
+        <p:nvSpPr>
+          <p:cNvPr id="5" name="標題 2"/>
+          <p:cNvSpPr txBox="1">
+            <a:spLocks/>
+          </p:cNvSpPr>
+          <p:nvPr/>
+        </p:nvSpPr>
+        <p:spPr>
+          <a:xfrm>
+            <a:off x="2195736" y="1124744"/>
+            <a:ext cx="5112568" cy="1656184"/>
+          </a:xfrm>
+          <a:prstGeom prst="rect">
+            <a:avLst/>
+          </a:prstGeom>
+        </p:spPr>
+        <p:txBody>
+          <a:bodyPr vert="horz" lIns="91440" tIns="45720" rIns="91440" bIns="45720" rtlCol="0" anchor="t">
+            <a:noAutofit/>
+          </a:bodyPr>
+          <a:lstStyle>
+            <a:lvl1pPr algn="l" defTabSz="457200" rtl="0" eaLnBrk="1" latinLnBrk="0" hangingPunct="1">
+              <a:spcBef>
+                <a:spcPct val="0"/>
+              </a:spcBef>
+              <a:buNone/>
+              <a:defRPr sz="3600" kern="1200">
+                <a:solidFill>
+                  <a:schemeClr val="tx1">
+                    <a:lumMod val="85000"/>
+                    <a:lumOff val="15000"/>
+                  </a:schemeClr>
+                </a:solidFill>
+                <a:latin typeface="+mj-lt"/>
+                <a:ea typeface="+mj-ea"/>
+                <a:cs typeface="+mj-cs"/>
+              </a:defRPr>
+            </a:lvl1pPr>
+            <a:lvl2pPr eaLnBrk="1" hangingPunct="1">
+              <a:defRPr>
+                <a:solidFill>
+                  <a:schemeClr val="tx2"/>
+                </a:solidFill>
+              </a:defRPr>
+            </a:lvl2pPr>
+            <a:lvl3pPr eaLnBrk="1" hangingPunct="1">
+              <a:defRPr>
+                <a:solidFill>
+                  <a:schemeClr val="tx2"/>
+                </a:solidFill>
+              </a:defRPr>
+            </a:lvl3pPr>
+            <a:lvl4pPr eaLnBrk="1" hangingPunct="1">
+              <a:defRPr>
+                <a:solidFill>
+                  <a:schemeClr val="tx2"/>
+                </a:solidFill>
+              </a:defRPr>
+            </a:lvl4pPr>
+            <a:lvl5pPr eaLnBrk="1" hangingPunct="1">
+              <a:defRPr>
+                <a:solidFill>
+                  <a:schemeClr val="tx2"/>
+                </a:solidFill>
+              </a:defRPr>
+            </a:lvl5pPr>
+            <a:lvl6pPr eaLnBrk="1" hangingPunct="1">
+              <a:defRPr>
+                <a:solidFill>
+                  <a:schemeClr val="tx2"/>
+                </a:solidFill>
+              </a:defRPr>
+            </a:lvl6pPr>
+            <a:lvl7pPr eaLnBrk="1" hangingPunct="1">
+              <a:defRPr>
+                <a:solidFill>
+                  <a:schemeClr val="tx2"/>
+                </a:solidFill>
+              </a:defRPr>
+            </a:lvl7pPr>
+            <a:lvl8pPr eaLnBrk="1" hangingPunct="1">
+              <a:defRPr>
+                <a:solidFill>
+                  <a:schemeClr val="tx2"/>
+                </a:solidFill>
+              </a:defRPr>
+            </a:lvl8pPr>
+            <a:lvl9pPr eaLnBrk="1" hangingPunct="1">
+              <a:defRPr>
+                <a:solidFill>
+                  <a:schemeClr val="tx2"/>
+                </a:solidFill>
+              </a:defRPr>
+            </a:lvl9pPr>
+          </a:lstStyle>
+          <a:p>
+            <a:r>
+              <a:rPr lang="zh-TW" altLang="en-US" sz="9600" b="1" dirty="0" smtClean="0">
+                <a:solidFill>
+                  <a:schemeClr val="accent1">
+                    <a:lumMod val="75000"/>
+                  </a:schemeClr>
+                </a:solidFill>
+                <a:effectLst>
+                  <a:outerShdw blurRad="38100" dist="38100" dir="2700000" algn="tl">
+                    <a:srgbClr val="000000">
+                      <a:alpha val="43137"/>
+                    </a:srgbClr>
+                  </a:outerShdw>
+                </a:effectLst>
+              </a:rPr>
+              <a:t>報告結束</a:t>
+            </a:r>
+            <a:endParaRPr lang="zh-TW" altLang="en-US" sz="9600" b="1" dirty="0">
+              <a:solidFill>
+                <a:schemeClr val="accent1">
+                  <a:lumMod val="75000"/>
+                </a:schemeClr>
+              </a:solidFill>
+              <a:effectLst>
+                <a:outerShdw blurRad="38100" dist="38100" dir="2700000" algn="tl">
+                  <a:srgbClr val="000000">
+                    <a:alpha val="43137"/>
+                  </a:srgbClr>
+                </a:outerShdw>
+              </a:effectLst>
+            </a:endParaRPr>
+          </a:p>
+        </p:txBody>
+      </p:sp>
+    </p:spTree>
+    <p:extLst>
+      <p:ext uri="{BB962C8B-B14F-4D97-AF65-F5344CB8AC3E}">
+        <p14:creationId xmlns:p14="http://schemas.microsoft.com/office/powerpoint/2010/main" val="2772379036"/>
+      </p:ext>
+    </p:extLst>
+  </p:cSld>
+  <p:clrMapOvr>
+    <a:masterClrMapping/>
+  </p:clrMapOvr>
+  <mc:AlternateContent xmlns:mc="http://schemas.openxmlformats.org/markup-compatibility/2006" xmlns:p15="http://schemas.microsoft.com/office/powerpoint/2012/main">
+    <mc:Choice Requires="p15">
+      <p:transition xmlns:p14="http://schemas.microsoft.com/office/powerpoint/2010/main" spd="slow" p14:dur="6000">
+        <p15:prstTrans prst="curtains"/>
+      </p:transition>
+    </mc:Choice>
+    <mc:Fallback xmlns="">
+      <p:transition spd="slow">
+        <p:fade/>
+      </p:transition>
+    </mc:Fallback>
+  </mc:AlternateContent>
+  <p:timing>
+    <p:tnLst>
+      <p:par>
+        <p:cTn id="1" dur="indefinite" restart="never" nodeType="tmRoot"/>
+      </p:par>
+    </p:tnLst>
+  </p:timing>
+</p:sld>
+</file>
+
 <file path=ppt/slides/slide2.xml><?xml version="1.0" encoding="utf-8"?>
 <p:sld xmlns:a="http://schemas.openxmlformats.org/drawingml/2006/main" xmlns:r="http://schemas.openxmlformats.org/officeDocument/2006/relationships" xmlns:p="http://schemas.openxmlformats.org/presentationml/2006/main">
   <p:cSld>
@@ -9005,10 +10185,10 @@
                 </a:solidFill>
                 <a:latin typeface="+mn-ea"/>
               </a:rPr>
-              <a:t>完全不熟悉</a:t>
-            </a:r>
-            <a:r>
-              <a:rPr lang="zh-TW" altLang="en-US" sz="3200" b="1" dirty="0" smtClean="0">
+              <a:t>完全不熟悉，又是全英文</a:t>
+            </a:r>
+            <a:r>
+              <a:rPr lang="en-US" altLang="zh-TW" sz="3200" b="1" dirty="0" smtClean="0">
                 <a:solidFill>
                   <a:schemeClr val="accent3">
                     <a:lumMod val="75000"/>
@@ -9016,10 +10196,10 @@
                 </a:solidFill>
                 <a:latin typeface="+mn-ea"/>
               </a:rPr>
-              <a:t>，又是全英文</a:t>
-            </a:r>
-            <a:r>
-              <a:rPr lang="en-US" altLang="zh-TW" sz="3200" b="1" dirty="0" smtClean="0">
+              <a:t>UI</a:t>
+            </a:r>
+            <a:r>
+              <a:rPr lang="zh-TW" altLang="en-US" sz="3200" b="1" dirty="0" smtClean="0">
                 <a:solidFill>
                   <a:schemeClr val="accent3">
                     <a:lumMod val="75000"/>
@@ -9027,40 +10207,7 @@
                 </a:solidFill>
                 <a:latin typeface="+mn-ea"/>
               </a:rPr>
-              <a:t>UI</a:t>
-            </a:r>
-            <a:r>
-              <a:rPr lang="zh-TW" altLang="en-US" sz="3200" b="1" dirty="0" smtClean="0">
-                <a:solidFill>
-                  <a:schemeClr val="accent3">
-                    <a:lumMod val="75000"/>
-                  </a:schemeClr>
-                </a:solidFill>
-                <a:latin typeface="+mn-ea"/>
-              </a:rPr>
-              <a:t>，</a:t>
-            </a:r>
-            <a:r>
-              <a:rPr lang="zh-TW" altLang="en-US" sz="3200" b="1" dirty="0" smtClean="0">
-                <a:solidFill>
-                  <a:schemeClr val="accent3">
-                    <a:lumMod val="75000"/>
-                  </a:schemeClr>
-                </a:solidFill>
-                <a:latin typeface="+mn-ea"/>
-              </a:rPr>
-              <a:t>下載了軟體，看了非常多的教學</a:t>
-            </a:r>
-            <a:r>
-              <a:rPr lang="zh-TW" altLang="en-US" sz="3200" b="1" dirty="0" smtClean="0">
-                <a:solidFill>
-                  <a:schemeClr val="accent3">
-                    <a:lumMod val="75000"/>
-                  </a:schemeClr>
-                </a:solidFill>
-                <a:latin typeface="+mn-ea"/>
-              </a:rPr>
-              <a:t>影片，匯入非常多的別人的專案。</a:t>
+              <a:t>，下載了軟體，看了非常多的教學影片，匯入非常多的別人的專案。</a:t>
             </a:r>
             <a:endParaRPr lang="en-US" altLang="zh-TW" sz="3200" b="1" dirty="0" smtClean="0">
               <a:solidFill>
@@ -9206,6 +10353,32 @@
 <file path=ppt/slides/slide4.xml><?xml version="1.0" encoding="utf-8"?>
 <p:sld xmlns:a="http://schemas.openxmlformats.org/drawingml/2006/main" xmlns:r="http://schemas.openxmlformats.org/officeDocument/2006/relationships" xmlns:p="http://schemas.openxmlformats.org/presentationml/2006/main">
   <p:cSld>
+    <p:bg>
+      <p:bgPr>
+        <a:gradFill>
+          <a:gsLst>
+            <a:gs pos="0">
+              <a:schemeClr val="bg2">
+                <a:tint val="90000"/>
+                <a:satMod val="92000"/>
+                <a:lumMod val="120000"/>
+              </a:schemeClr>
+            </a:gs>
+            <a:gs pos="100000">
+              <a:schemeClr val="bg2">
+                <a:shade val="98000"/>
+                <a:satMod val="120000"/>
+                <a:lumMod val="98000"/>
+              </a:schemeClr>
+            </a:gs>
+          </a:gsLst>
+          <a:path path="circle">
+            <a:fillToRect l="50000" t="50000" r="100000" b="100000"/>
+          </a:path>
+        </a:gradFill>
+        <a:effectLst/>
+      </p:bgPr>
+    </p:bg>
     <p:spTree>
       <p:nvGrpSpPr>
         <p:cNvPr id="1" name=""/>
@@ -9367,6 +10540,13 @@
   <p:clrMapOvr>
     <a:masterClrMapping/>
   </p:clrMapOvr>
+  <p:timing>
+    <p:tnLst>
+      <p:par>
+        <p:cTn id="1" dur="indefinite" restart="never" nodeType="tmRoot"/>
+      </p:par>
+    </p:tnLst>
+  </p:timing>
 </p:sld>
 </file>
 
@@ -9458,7 +10638,7 @@
         </p:nvSpPr>
         <p:spPr>
           <a:xfrm>
-            <a:off x="1547664" y="1484784"/>
+            <a:off x="1547664" y="1628800"/>
             <a:ext cx="6454936" cy="4464496"/>
           </a:xfrm>
         </p:spPr>
@@ -9554,27 +10734,29 @@
                 </a:solidFill>
                 <a:latin typeface="+mn-ea"/>
               </a:rPr>
-              <a:t>負責想遊戲內容，看教學影片，寫期中報告，找資源，實作</a:t>
-            </a:r>
-            <a:r>
-              <a:rPr lang="en-US" altLang="zh-TW" sz="3200" dirty="0" smtClean="0">
+              <a:t>負責想遊戲內容，看教學影片</a:t>
+            </a:r>
+            <a:r>
+              <a:rPr lang="zh-TW" altLang="en-US" sz="3200" b="1" dirty="0" smtClean="0">
                 <a:solidFill>
                   <a:schemeClr val="accent3">
                     <a:lumMod val="75000"/>
                   </a:schemeClr>
                 </a:solidFill>
+                <a:latin typeface="+mn-ea"/>
               </a:rPr>
-              <a:t>Unity</a:t>
-            </a:r>
-            <a:r>
-              <a:rPr lang="zh-TW" altLang="en-US" sz="3200" dirty="0" smtClean="0">
+              <a:t>，寫報告找</a:t>
+            </a:r>
+            <a:r>
+              <a:rPr lang="zh-TW" altLang="en-US" sz="3200" b="1" dirty="0" smtClean="0">
                 <a:solidFill>
                   <a:schemeClr val="accent3">
                     <a:lumMod val="75000"/>
                   </a:schemeClr>
                 </a:solidFill>
+                <a:latin typeface="+mn-ea"/>
               </a:rPr>
-              <a:t>，</a:t>
+              <a:t>資源，實</a:t>
             </a:r>
             <a:r>
               <a:rPr lang="zh-TW" altLang="en-US" sz="3200" b="1" dirty="0" smtClean="0">
@@ -9583,8 +10765,9 @@
                     <a:lumMod val="75000"/>
                   </a:schemeClr>
                 </a:solidFill>
+                <a:latin typeface="+mn-ea"/>
               </a:rPr>
-              <a:t>幫忙買飲料</a:t>
+              <a:t>作</a:t>
             </a:r>
             <a:r>
               <a:rPr lang="zh-TW" altLang="en-US" sz="3200" dirty="0" smtClean="0">
@@ -9659,7 +10842,18 @@
                 </a:solidFill>
                 <a:latin typeface="+mn-ea"/>
               </a:rPr>
-              <a:t> 負責討論遊戲內容，找資源。</a:t>
+              <a:t> 負責討論遊戲內容，找</a:t>
+            </a:r>
+            <a:r>
+              <a:rPr lang="zh-TW" altLang="en-US" sz="3200" b="1" dirty="0">
+                <a:solidFill>
+                  <a:schemeClr val="accent3">
+                    <a:lumMod val="75000"/>
+                  </a:schemeClr>
+                </a:solidFill>
+                <a:latin typeface="+mn-ea"/>
+              </a:rPr>
+              <a:t>資源，實作。</a:t>
             </a:r>
             <a:endParaRPr lang="en-US" altLang="zh-TW" sz="3200" b="1" dirty="0" smtClean="0">
               <a:solidFill>
@@ -9746,7 +10940,95 @@
                 </a:solidFill>
                 <a:latin typeface="+mn-ea"/>
               </a:rPr>
-              <a:t>討論遊戲內容。</a:t>
+              <a:t>討論遊戲</a:t>
+            </a:r>
+            <a:r>
+              <a:rPr lang="zh-TW" altLang="en-US" sz="3200" b="1" dirty="0">
+                <a:solidFill>
+                  <a:schemeClr val="accent3">
+                    <a:lumMod val="75000"/>
+                  </a:schemeClr>
+                </a:solidFill>
+                <a:latin typeface="+mn-ea"/>
+              </a:rPr>
+              <a:t>內容</a:t>
+            </a:r>
+            <a:r>
+              <a:rPr lang="zh-TW" altLang="en-US" sz="3200" b="1" dirty="0" smtClean="0">
+                <a:solidFill>
+                  <a:schemeClr val="accent3">
+                    <a:lumMod val="75000"/>
+                  </a:schemeClr>
+                </a:solidFill>
+                <a:latin typeface="+mn-ea"/>
+              </a:rPr>
+              <a:t>，</a:t>
+            </a:r>
+            <a:r>
+              <a:rPr lang="zh-TW" altLang="en-US" sz="3200" b="1" dirty="0">
+                <a:solidFill>
+                  <a:schemeClr val="accent3">
+                    <a:lumMod val="75000"/>
+                  </a:schemeClr>
+                </a:solidFill>
+                <a:latin typeface="+mn-ea"/>
+              </a:rPr>
+              <a:t> </a:t>
+            </a:r>
+            <a:r>
+              <a:rPr lang="zh-TW" altLang="en-US" sz="3200" b="1" dirty="0" smtClean="0">
+                <a:solidFill>
+                  <a:schemeClr val="accent3">
+                    <a:lumMod val="75000"/>
+                  </a:schemeClr>
+                </a:solidFill>
+                <a:latin typeface="+mn-ea"/>
+              </a:rPr>
+              <a:t>找資源</a:t>
+            </a:r>
+            <a:r>
+              <a:rPr lang="zh-TW" altLang="en-US" sz="3200" b="1" dirty="0">
+                <a:solidFill>
+                  <a:schemeClr val="accent3">
+                    <a:lumMod val="75000"/>
+                  </a:schemeClr>
+                </a:solidFill>
+                <a:latin typeface="+mn-ea"/>
+              </a:rPr>
+              <a:t>，</a:t>
+            </a:r>
+            <a:r>
+              <a:rPr lang="zh-TW" altLang="en-US" sz="3200" b="1" dirty="0" smtClean="0">
+                <a:solidFill>
+                  <a:schemeClr val="accent3">
+                    <a:lumMod val="75000"/>
+                  </a:schemeClr>
+                </a:solidFill>
+                <a:latin typeface="+mn-ea"/>
+              </a:rPr>
+              <a:t>實</a:t>
+            </a:r>
+            <a:r>
+              <a:rPr lang="zh-TW" altLang="en-US" sz="3200" b="1" dirty="0">
+                <a:solidFill>
+                  <a:schemeClr val="accent3">
+                    <a:lumMod val="75000"/>
+                  </a:schemeClr>
+                </a:solidFill>
+                <a:latin typeface="+mn-ea"/>
+              </a:rPr>
+              <a:t>作</a:t>
+            </a:r>
+            <a:r>
+              <a:rPr lang="zh-TW" altLang="en-US" sz="3200" b="1" dirty="0" smtClean="0">
+                <a:solidFill>
+                  <a:schemeClr val="accent3">
+                    <a:lumMod val="75000"/>
+                  </a:schemeClr>
+                </a:solidFill>
+                <a:latin typeface="+mn-ea"/>
+              </a:rPr>
+              <a:t>。</a:t>
             </a:r>
             <a:endParaRPr lang="en-US" altLang="zh-TW" sz="3200" b="1" dirty="0">
               <a:solidFill>
@@ -9764,6 +11046,2669 @@
           </a:p>
         </p:txBody>
       </p:sp>
+      <p:grpSp>
+        <p:nvGrpSpPr>
+          <p:cNvPr id="4" name="组 3"/>
+          <p:cNvGrpSpPr/>
+          <p:nvPr/>
+        </p:nvGrpSpPr>
+        <p:grpSpPr>
+          <a:xfrm>
+            <a:off x="6647340" y="5157192"/>
+            <a:ext cx="2016224" cy="1440160"/>
+            <a:chOff x="301625" y="1724025"/>
+            <a:chExt cx="898525" cy="720725"/>
+          </a:xfrm>
+          <a:solidFill>
+            <a:srgbClr val="1187B1"/>
+          </a:solidFill>
+        </p:grpSpPr>
+        <p:sp>
+          <p:nvSpPr>
+            <p:cNvPr id="5" name="Freeform 92"/>
+            <p:cNvSpPr>
+              <a:spLocks/>
+            </p:cNvSpPr>
+            <p:nvPr/>
+          </p:nvSpPr>
+          <p:spPr bwMode="auto">
+            <a:xfrm>
+              <a:off x="927100" y="1743075"/>
+              <a:ext cx="200025" cy="200025"/>
+            </a:xfrm>
+            <a:custGeom>
+              <a:avLst/>
+              <a:gdLst/>
+              <a:ahLst/>
+              <a:cxnLst>
+                <a:cxn ang="0">
+                  <a:pos x="64" y="0"/>
+                </a:cxn>
+                <a:cxn ang="0">
+                  <a:pos x="64" y="0"/>
+                </a:cxn>
+                <a:cxn ang="0">
+                  <a:pos x="76" y="2"/>
+                </a:cxn>
+                <a:cxn ang="0">
+                  <a:pos x="88" y="4"/>
+                </a:cxn>
+                <a:cxn ang="0">
+                  <a:pos x="98" y="10"/>
+                </a:cxn>
+                <a:cxn ang="0">
+                  <a:pos x="108" y="18"/>
+                </a:cxn>
+                <a:cxn ang="0">
+                  <a:pos x="116" y="28"/>
+                </a:cxn>
+                <a:cxn ang="0">
+                  <a:pos x="120" y="38"/>
+                </a:cxn>
+                <a:cxn ang="0">
+                  <a:pos x="124" y="50"/>
+                </a:cxn>
+                <a:cxn ang="0">
+                  <a:pos x="126" y="62"/>
+                </a:cxn>
+                <a:cxn ang="0">
+                  <a:pos x="126" y="62"/>
+                </a:cxn>
+                <a:cxn ang="0">
+                  <a:pos x="124" y="76"/>
+                </a:cxn>
+                <a:cxn ang="0">
+                  <a:pos x="120" y="86"/>
+                </a:cxn>
+                <a:cxn ang="0">
+                  <a:pos x="116" y="98"/>
+                </a:cxn>
+                <a:cxn ang="0">
+                  <a:pos x="108" y="106"/>
+                </a:cxn>
+                <a:cxn ang="0">
+                  <a:pos x="98" y="114"/>
+                </a:cxn>
+                <a:cxn ang="0">
+                  <a:pos x="88" y="120"/>
+                </a:cxn>
+                <a:cxn ang="0">
+                  <a:pos x="76" y="124"/>
+                </a:cxn>
+                <a:cxn ang="0">
+                  <a:pos x="64" y="126"/>
+                </a:cxn>
+                <a:cxn ang="0">
+                  <a:pos x="64" y="126"/>
+                </a:cxn>
+                <a:cxn ang="0">
+                  <a:pos x="50" y="124"/>
+                </a:cxn>
+                <a:cxn ang="0">
+                  <a:pos x="38" y="120"/>
+                </a:cxn>
+                <a:cxn ang="0">
+                  <a:pos x="28" y="114"/>
+                </a:cxn>
+                <a:cxn ang="0">
+                  <a:pos x="18" y="106"/>
+                </a:cxn>
+                <a:cxn ang="0">
+                  <a:pos x="12" y="98"/>
+                </a:cxn>
+                <a:cxn ang="0">
+                  <a:pos x="6" y="86"/>
+                </a:cxn>
+                <a:cxn ang="0">
+                  <a:pos x="2" y="76"/>
+                </a:cxn>
+                <a:cxn ang="0">
+                  <a:pos x="0" y="62"/>
+                </a:cxn>
+                <a:cxn ang="0">
+                  <a:pos x="0" y="62"/>
+                </a:cxn>
+                <a:cxn ang="0">
+                  <a:pos x="2" y="50"/>
+                </a:cxn>
+                <a:cxn ang="0">
+                  <a:pos x="6" y="38"/>
+                </a:cxn>
+                <a:cxn ang="0">
+                  <a:pos x="12" y="28"/>
+                </a:cxn>
+                <a:cxn ang="0">
+                  <a:pos x="18" y="18"/>
+                </a:cxn>
+                <a:cxn ang="0">
+                  <a:pos x="28" y="10"/>
+                </a:cxn>
+                <a:cxn ang="0">
+                  <a:pos x="38" y="4"/>
+                </a:cxn>
+                <a:cxn ang="0">
+                  <a:pos x="50" y="2"/>
+                </a:cxn>
+                <a:cxn ang="0">
+                  <a:pos x="64" y="0"/>
+                </a:cxn>
+                <a:cxn ang="0">
+                  <a:pos x="64" y="0"/>
+                </a:cxn>
+              </a:cxnLst>
+              <a:rect l="0" t="0" r="r" b="b"/>
+              <a:pathLst>
+                <a:path w="126" h="126">
+                  <a:moveTo>
+                    <a:pt x="64" y="0"/>
+                  </a:moveTo>
+                  <a:lnTo>
+                    <a:pt x="64" y="0"/>
+                  </a:lnTo>
+                  <a:lnTo>
+                    <a:pt x="76" y="2"/>
+                  </a:lnTo>
+                  <a:lnTo>
+                    <a:pt x="88" y="4"/>
+                  </a:lnTo>
+                  <a:lnTo>
+                    <a:pt x="98" y="10"/>
+                  </a:lnTo>
+                  <a:lnTo>
+                    <a:pt x="108" y="18"/>
+                  </a:lnTo>
+                  <a:lnTo>
+                    <a:pt x="116" y="28"/>
+                  </a:lnTo>
+                  <a:lnTo>
+                    <a:pt x="120" y="38"/>
+                  </a:lnTo>
+                  <a:lnTo>
+                    <a:pt x="124" y="50"/>
+                  </a:lnTo>
+                  <a:lnTo>
+                    <a:pt x="126" y="62"/>
+                  </a:lnTo>
+                  <a:lnTo>
+                    <a:pt x="126" y="62"/>
+                  </a:lnTo>
+                  <a:lnTo>
+                    <a:pt x="124" y="76"/>
+                  </a:lnTo>
+                  <a:lnTo>
+                    <a:pt x="120" y="86"/>
+                  </a:lnTo>
+                  <a:lnTo>
+                    <a:pt x="116" y="98"/>
+                  </a:lnTo>
+                  <a:lnTo>
+                    <a:pt x="108" y="106"/>
+                  </a:lnTo>
+                  <a:lnTo>
+                    <a:pt x="98" y="114"/>
+                  </a:lnTo>
+                  <a:lnTo>
+                    <a:pt x="88" y="120"/>
+                  </a:lnTo>
+                  <a:lnTo>
+                    <a:pt x="76" y="124"/>
+                  </a:lnTo>
+                  <a:lnTo>
+                    <a:pt x="64" y="126"/>
+                  </a:lnTo>
+                  <a:lnTo>
+                    <a:pt x="64" y="126"/>
+                  </a:lnTo>
+                  <a:lnTo>
+                    <a:pt x="50" y="124"/>
+                  </a:lnTo>
+                  <a:lnTo>
+                    <a:pt x="38" y="120"/>
+                  </a:lnTo>
+                  <a:lnTo>
+                    <a:pt x="28" y="114"/>
+                  </a:lnTo>
+                  <a:lnTo>
+                    <a:pt x="18" y="106"/>
+                  </a:lnTo>
+                  <a:lnTo>
+                    <a:pt x="12" y="98"/>
+                  </a:lnTo>
+                  <a:lnTo>
+                    <a:pt x="6" y="86"/>
+                  </a:lnTo>
+                  <a:lnTo>
+                    <a:pt x="2" y="76"/>
+                  </a:lnTo>
+                  <a:lnTo>
+                    <a:pt x="0" y="62"/>
+                  </a:lnTo>
+                  <a:lnTo>
+                    <a:pt x="0" y="62"/>
+                  </a:lnTo>
+                  <a:lnTo>
+                    <a:pt x="2" y="50"/>
+                  </a:lnTo>
+                  <a:lnTo>
+                    <a:pt x="6" y="38"/>
+                  </a:lnTo>
+                  <a:lnTo>
+                    <a:pt x="12" y="28"/>
+                  </a:lnTo>
+                  <a:lnTo>
+                    <a:pt x="18" y="18"/>
+                  </a:lnTo>
+                  <a:lnTo>
+                    <a:pt x="28" y="10"/>
+                  </a:lnTo>
+                  <a:lnTo>
+                    <a:pt x="38" y="4"/>
+                  </a:lnTo>
+                  <a:lnTo>
+                    <a:pt x="50" y="2"/>
+                  </a:lnTo>
+                  <a:lnTo>
+                    <a:pt x="64" y="0"/>
+                  </a:lnTo>
+                  <a:lnTo>
+                    <a:pt x="64" y="0"/>
+                  </a:lnTo>
+                  <a:close/>
+                </a:path>
+              </a:pathLst>
+            </a:custGeom>
+            <a:grpFill/>
+            <a:ln w="9525">
+              <a:noFill/>
+              <a:round/>
+              <a:headEnd/>
+              <a:tailEnd/>
+            </a:ln>
+          </p:spPr>
+          <p:txBody>
+            <a:bodyPr vert="horz" wrap="square" lIns="121920" tIns="60960" rIns="121920" bIns="60960" numCol="1" anchor="t" anchorCtr="0" compatLnSpc="1">
+              <a:prstTxWarp prst="textNoShape">
+                <a:avLst/>
+              </a:prstTxWarp>
+            </a:bodyPr>
+            <a:lstStyle/>
+            <a:p>
+              <a:endParaRPr lang="zh-CN" altLang="en-US" sz="3200"/>
+            </a:p>
+          </p:txBody>
+        </p:sp>
+        <p:sp>
+          <p:nvSpPr>
+            <p:cNvPr id="6" name="Freeform 93"/>
+            <p:cNvSpPr>
+              <a:spLocks/>
+            </p:cNvSpPr>
+            <p:nvPr/>
+          </p:nvSpPr>
+          <p:spPr bwMode="auto">
+            <a:xfrm>
+              <a:off x="365125" y="1825625"/>
+              <a:ext cx="165100" cy="165100"/>
+            </a:xfrm>
+            <a:custGeom>
+              <a:avLst/>
+              <a:gdLst/>
+              <a:ahLst/>
+              <a:cxnLst>
+                <a:cxn ang="0">
+                  <a:pos x="52" y="0"/>
+                </a:cxn>
+                <a:cxn ang="0">
+                  <a:pos x="52" y="0"/>
+                </a:cxn>
+                <a:cxn ang="0">
+                  <a:pos x="62" y="0"/>
+                </a:cxn>
+                <a:cxn ang="0">
+                  <a:pos x="72" y="4"/>
+                </a:cxn>
+                <a:cxn ang="0">
+                  <a:pos x="82" y="8"/>
+                </a:cxn>
+                <a:cxn ang="0">
+                  <a:pos x="90" y="14"/>
+                </a:cxn>
+                <a:cxn ang="0">
+                  <a:pos x="96" y="22"/>
+                </a:cxn>
+                <a:cxn ang="0">
+                  <a:pos x="100" y="32"/>
+                </a:cxn>
+                <a:cxn ang="0">
+                  <a:pos x="104" y="42"/>
+                </a:cxn>
+                <a:cxn ang="0">
+                  <a:pos x="104" y="52"/>
+                </a:cxn>
+                <a:cxn ang="0">
+                  <a:pos x="104" y="52"/>
+                </a:cxn>
+                <a:cxn ang="0">
+                  <a:pos x="104" y="62"/>
+                </a:cxn>
+                <a:cxn ang="0">
+                  <a:pos x="100" y="72"/>
+                </a:cxn>
+                <a:cxn ang="0">
+                  <a:pos x="96" y="82"/>
+                </a:cxn>
+                <a:cxn ang="0">
+                  <a:pos x="90" y="90"/>
+                </a:cxn>
+                <a:cxn ang="0">
+                  <a:pos x="82" y="96"/>
+                </a:cxn>
+                <a:cxn ang="0">
+                  <a:pos x="72" y="100"/>
+                </a:cxn>
+                <a:cxn ang="0">
+                  <a:pos x="62" y="104"/>
+                </a:cxn>
+                <a:cxn ang="0">
+                  <a:pos x="52" y="104"/>
+                </a:cxn>
+                <a:cxn ang="0">
+                  <a:pos x="52" y="104"/>
+                </a:cxn>
+                <a:cxn ang="0">
+                  <a:pos x="42" y="104"/>
+                </a:cxn>
+                <a:cxn ang="0">
+                  <a:pos x="32" y="100"/>
+                </a:cxn>
+                <a:cxn ang="0">
+                  <a:pos x="22" y="96"/>
+                </a:cxn>
+                <a:cxn ang="0">
+                  <a:pos x="14" y="90"/>
+                </a:cxn>
+                <a:cxn ang="0">
+                  <a:pos x="8" y="82"/>
+                </a:cxn>
+                <a:cxn ang="0">
+                  <a:pos x="4" y="72"/>
+                </a:cxn>
+                <a:cxn ang="0">
+                  <a:pos x="0" y="62"/>
+                </a:cxn>
+                <a:cxn ang="0">
+                  <a:pos x="0" y="52"/>
+                </a:cxn>
+                <a:cxn ang="0">
+                  <a:pos x="0" y="52"/>
+                </a:cxn>
+                <a:cxn ang="0">
+                  <a:pos x="0" y="42"/>
+                </a:cxn>
+                <a:cxn ang="0">
+                  <a:pos x="4" y="32"/>
+                </a:cxn>
+                <a:cxn ang="0">
+                  <a:pos x="8" y="22"/>
+                </a:cxn>
+                <a:cxn ang="0">
+                  <a:pos x="14" y="14"/>
+                </a:cxn>
+                <a:cxn ang="0">
+                  <a:pos x="22" y="8"/>
+                </a:cxn>
+                <a:cxn ang="0">
+                  <a:pos x="32" y="4"/>
+                </a:cxn>
+                <a:cxn ang="0">
+                  <a:pos x="42" y="0"/>
+                </a:cxn>
+                <a:cxn ang="0">
+                  <a:pos x="52" y="0"/>
+                </a:cxn>
+                <a:cxn ang="0">
+                  <a:pos x="52" y="0"/>
+                </a:cxn>
+              </a:cxnLst>
+              <a:rect l="0" t="0" r="r" b="b"/>
+              <a:pathLst>
+                <a:path w="104" h="104">
+                  <a:moveTo>
+                    <a:pt x="52" y="0"/>
+                  </a:moveTo>
+                  <a:lnTo>
+                    <a:pt x="52" y="0"/>
+                  </a:lnTo>
+                  <a:lnTo>
+                    <a:pt x="62" y="0"/>
+                  </a:lnTo>
+                  <a:lnTo>
+                    <a:pt x="72" y="4"/>
+                  </a:lnTo>
+                  <a:lnTo>
+                    <a:pt x="82" y="8"/>
+                  </a:lnTo>
+                  <a:lnTo>
+                    <a:pt x="90" y="14"/>
+                  </a:lnTo>
+                  <a:lnTo>
+                    <a:pt x="96" y="22"/>
+                  </a:lnTo>
+                  <a:lnTo>
+                    <a:pt x="100" y="32"/>
+                  </a:lnTo>
+                  <a:lnTo>
+                    <a:pt x="104" y="42"/>
+                  </a:lnTo>
+                  <a:lnTo>
+                    <a:pt x="104" y="52"/>
+                  </a:lnTo>
+                  <a:lnTo>
+                    <a:pt x="104" y="52"/>
+                  </a:lnTo>
+                  <a:lnTo>
+                    <a:pt x="104" y="62"/>
+                  </a:lnTo>
+                  <a:lnTo>
+                    <a:pt x="100" y="72"/>
+                  </a:lnTo>
+                  <a:lnTo>
+                    <a:pt x="96" y="82"/>
+                  </a:lnTo>
+                  <a:lnTo>
+                    <a:pt x="90" y="90"/>
+                  </a:lnTo>
+                  <a:lnTo>
+                    <a:pt x="82" y="96"/>
+                  </a:lnTo>
+                  <a:lnTo>
+                    <a:pt x="72" y="100"/>
+                  </a:lnTo>
+                  <a:lnTo>
+                    <a:pt x="62" y="104"/>
+                  </a:lnTo>
+                  <a:lnTo>
+                    <a:pt x="52" y="104"/>
+                  </a:lnTo>
+                  <a:lnTo>
+                    <a:pt x="52" y="104"/>
+                  </a:lnTo>
+                  <a:lnTo>
+                    <a:pt x="42" y="104"/>
+                  </a:lnTo>
+                  <a:lnTo>
+                    <a:pt x="32" y="100"/>
+                  </a:lnTo>
+                  <a:lnTo>
+                    <a:pt x="22" y="96"/>
+                  </a:lnTo>
+                  <a:lnTo>
+                    <a:pt x="14" y="90"/>
+                  </a:lnTo>
+                  <a:lnTo>
+                    <a:pt x="8" y="82"/>
+                  </a:lnTo>
+                  <a:lnTo>
+                    <a:pt x="4" y="72"/>
+                  </a:lnTo>
+                  <a:lnTo>
+                    <a:pt x="0" y="62"/>
+                  </a:lnTo>
+                  <a:lnTo>
+                    <a:pt x="0" y="52"/>
+                  </a:lnTo>
+                  <a:lnTo>
+                    <a:pt x="0" y="52"/>
+                  </a:lnTo>
+                  <a:lnTo>
+                    <a:pt x="0" y="42"/>
+                  </a:lnTo>
+                  <a:lnTo>
+                    <a:pt x="4" y="32"/>
+                  </a:lnTo>
+                  <a:lnTo>
+                    <a:pt x="8" y="22"/>
+                  </a:lnTo>
+                  <a:lnTo>
+                    <a:pt x="14" y="14"/>
+                  </a:lnTo>
+                  <a:lnTo>
+                    <a:pt x="22" y="8"/>
+                  </a:lnTo>
+                  <a:lnTo>
+                    <a:pt x="32" y="4"/>
+                  </a:lnTo>
+                  <a:lnTo>
+                    <a:pt x="42" y="0"/>
+                  </a:lnTo>
+                  <a:lnTo>
+                    <a:pt x="52" y="0"/>
+                  </a:lnTo>
+                  <a:lnTo>
+                    <a:pt x="52" y="0"/>
+                  </a:lnTo>
+                  <a:close/>
+                </a:path>
+              </a:pathLst>
+            </a:custGeom>
+            <a:grpFill/>
+            <a:ln w="9525">
+              <a:noFill/>
+              <a:round/>
+              <a:headEnd/>
+              <a:tailEnd/>
+            </a:ln>
+          </p:spPr>
+          <p:txBody>
+            <a:bodyPr vert="horz" wrap="square" lIns="121920" tIns="60960" rIns="121920" bIns="60960" numCol="1" anchor="t" anchorCtr="0" compatLnSpc="1">
+              <a:prstTxWarp prst="textNoShape">
+                <a:avLst/>
+              </a:prstTxWarp>
+            </a:bodyPr>
+            <a:lstStyle/>
+            <a:p>
+              <a:endParaRPr lang="zh-CN" altLang="en-US" sz="3200"/>
+            </a:p>
+          </p:txBody>
+        </p:sp>
+        <p:sp>
+          <p:nvSpPr>
+            <p:cNvPr id="7" name="Freeform 94"/>
+            <p:cNvSpPr>
+              <a:spLocks/>
+            </p:cNvSpPr>
+            <p:nvPr/>
+          </p:nvSpPr>
+          <p:spPr bwMode="auto">
+            <a:xfrm>
+              <a:off x="546100" y="2085975"/>
+              <a:ext cx="47625" cy="123825"/>
+            </a:xfrm>
+            <a:custGeom>
+              <a:avLst/>
+              <a:gdLst/>
+              <a:ahLst/>
+              <a:cxnLst>
+                <a:cxn ang="0">
+                  <a:pos x="2" y="68"/>
+                </a:cxn>
+                <a:cxn ang="0">
+                  <a:pos x="2" y="68"/>
+                </a:cxn>
+                <a:cxn ang="0">
+                  <a:pos x="4" y="72"/>
+                </a:cxn>
+                <a:cxn ang="0">
+                  <a:pos x="8" y="76"/>
+                </a:cxn>
+                <a:cxn ang="0">
+                  <a:pos x="12" y="78"/>
+                </a:cxn>
+                <a:cxn ang="0">
+                  <a:pos x="18" y="78"/>
+                </a:cxn>
+                <a:cxn ang="0">
+                  <a:pos x="18" y="78"/>
+                </a:cxn>
+                <a:cxn ang="0">
+                  <a:pos x="24" y="76"/>
+                </a:cxn>
+                <a:cxn ang="0">
+                  <a:pos x="26" y="72"/>
+                </a:cxn>
+                <a:cxn ang="0">
+                  <a:pos x="30" y="68"/>
+                </a:cxn>
+                <a:cxn ang="0">
+                  <a:pos x="30" y="62"/>
+                </a:cxn>
+                <a:cxn ang="0">
+                  <a:pos x="30" y="62"/>
+                </a:cxn>
+                <a:cxn ang="0">
+                  <a:pos x="24" y="38"/>
+                </a:cxn>
+                <a:cxn ang="0">
+                  <a:pos x="20" y="20"/>
+                </a:cxn>
+                <a:cxn ang="0">
+                  <a:pos x="14" y="0"/>
+                </a:cxn>
+                <a:cxn ang="0">
+                  <a:pos x="14" y="0"/>
+                </a:cxn>
+                <a:cxn ang="0">
+                  <a:pos x="6" y="30"/>
+                </a:cxn>
+                <a:cxn ang="0">
+                  <a:pos x="0" y="56"/>
+                </a:cxn>
+                <a:cxn ang="0">
+                  <a:pos x="0" y="56"/>
+                </a:cxn>
+                <a:cxn ang="0">
+                  <a:pos x="2" y="68"/>
+                </a:cxn>
+                <a:cxn ang="0">
+                  <a:pos x="2" y="68"/>
+                </a:cxn>
+              </a:cxnLst>
+              <a:rect l="0" t="0" r="r" b="b"/>
+              <a:pathLst>
+                <a:path w="30" h="78">
+                  <a:moveTo>
+                    <a:pt x="2" y="68"/>
+                  </a:moveTo>
+                  <a:lnTo>
+                    <a:pt x="2" y="68"/>
+                  </a:lnTo>
+                  <a:lnTo>
+                    <a:pt x="4" y="72"/>
+                  </a:lnTo>
+                  <a:lnTo>
+                    <a:pt x="8" y="76"/>
+                  </a:lnTo>
+                  <a:lnTo>
+                    <a:pt x="12" y="78"/>
+                  </a:lnTo>
+                  <a:lnTo>
+                    <a:pt x="18" y="78"/>
+                  </a:lnTo>
+                  <a:lnTo>
+                    <a:pt x="18" y="78"/>
+                  </a:lnTo>
+                  <a:lnTo>
+                    <a:pt x="24" y="76"/>
+                  </a:lnTo>
+                  <a:lnTo>
+                    <a:pt x="26" y="72"/>
+                  </a:lnTo>
+                  <a:lnTo>
+                    <a:pt x="30" y="68"/>
+                  </a:lnTo>
+                  <a:lnTo>
+                    <a:pt x="30" y="62"/>
+                  </a:lnTo>
+                  <a:lnTo>
+                    <a:pt x="30" y="62"/>
+                  </a:lnTo>
+                  <a:lnTo>
+                    <a:pt x="24" y="38"/>
+                  </a:lnTo>
+                  <a:lnTo>
+                    <a:pt x="20" y="20"/>
+                  </a:lnTo>
+                  <a:lnTo>
+                    <a:pt x="14" y="0"/>
+                  </a:lnTo>
+                  <a:lnTo>
+                    <a:pt x="14" y="0"/>
+                  </a:lnTo>
+                  <a:lnTo>
+                    <a:pt x="6" y="30"/>
+                  </a:lnTo>
+                  <a:lnTo>
+                    <a:pt x="0" y="56"/>
+                  </a:lnTo>
+                  <a:lnTo>
+                    <a:pt x="0" y="56"/>
+                  </a:lnTo>
+                  <a:lnTo>
+                    <a:pt x="2" y="68"/>
+                  </a:lnTo>
+                  <a:lnTo>
+                    <a:pt x="2" y="68"/>
+                  </a:lnTo>
+                  <a:close/>
+                </a:path>
+              </a:pathLst>
+            </a:custGeom>
+            <a:grpFill/>
+            <a:ln w="9525">
+              <a:noFill/>
+              <a:round/>
+              <a:headEnd/>
+              <a:tailEnd/>
+            </a:ln>
+          </p:spPr>
+          <p:txBody>
+            <a:bodyPr vert="horz" wrap="square" lIns="121920" tIns="60960" rIns="121920" bIns="60960" numCol="1" anchor="t" anchorCtr="0" compatLnSpc="1">
+              <a:prstTxWarp prst="textNoShape">
+                <a:avLst/>
+              </a:prstTxWarp>
+            </a:bodyPr>
+            <a:lstStyle/>
+            <a:p>
+              <a:endParaRPr lang="zh-CN" altLang="en-US" sz="3200"/>
+            </a:p>
+          </p:txBody>
+        </p:sp>
+        <p:sp>
+          <p:nvSpPr>
+            <p:cNvPr id="8" name="Freeform 95"/>
+            <p:cNvSpPr>
+              <a:spLocks/>
+            </p:cNvSpPr>
+            <p:nvPr/>
+          </p:nvSpPr>
+          <p:spPr bwMode="auto">
+            <a:xfrm>
+              <a:off x="301625" y="2006600"/>
+              <a:ext cx="244475" cy="368300"/>
+            </a:xfrm>
+            <a:custGeom>
+              <a:avLst/>
+              <a:gdLst/>
+              <a:ahLst/>
+              <a:cxnLst>
+                <a:cxn ang="0">
+                  <a:pos x="138" y="146"/>
+                </a:cxn>
+                <a:cxn ang="0">
+                  <a:pos x="130" y="132"/>
+                </a:cxn>
+                <a:cxn ang="0">
+                  <a:pos x="130" y="116"/>
+                </a:cxn>
+                <a:cxn ang="0">
+                  <a:pos x="134" y="92"/>
+                </a:cxn>
+                <a:cxn ang="0">
+                  <a:pos x="140" y="62"/>
+                </a:cxn>
+                <a:cxn ang="0">
+                  <a:pos x="140" y="56"/>
+                </a:cxn>
+                <a:cxn ang="0">
+                  <a:pos x="142" y="60"/>
+                </a:cxn>
+                <a:cxn ang="0">
+                  <a:pos x="148" y="42"/>
+                </a:cxn>
+                <a:cxn ang="0">
+                  <a:pos x="154" y="22"/>
+                </a:cxn>
+                <a:cxn ang="0">
+                  <a:pos x="144" y="12"/>
+                </a:cxn>
+                <a:cxn ang="0">
+                  <a:pos x="122" y="4"/>
+                </a:cxn>
+                <a:cxn ang="0">
+                  <a:pos x="92" y="0"/>
+                </a:cxn>
+                <a:cxn ang="0">
+                  <a:pos x="62" y="4"/>
+                </a:cxn>
+                <a:cxn ang="0">
+                  <a:pos x="40" y="12"/>
+                </a:cxn>
+                <a:cxn ang="0">
+                  <a:pos x="30" y="20"/>
+                </a:cxn>
+                <a:cxn ang="0">
+                  <a:pos x="18" y="46"/>
+                </a:cxn>
+                <a:cxn ang="0">
+                  <a:pos x="4" y="92"/>
+                </a:cxn>
+                <a:cxn ang="0">
+                  <a:pos x="0" y="112"/>
+                </a:cxn>
+                <a:cxn ang="0">
+                  <a:pos x="2" y="124"/>
+                </a:cxn>
+                <a:cxn ang="0">
+                  <a:pos x="12" y="128"/>
+                </a:cxn>
+                <a:cxn ang="0">
+                  <a:pos x="14" y="128"/>
+                </a:cxn>
+                <a:cxn ang="0">
+                  <a:pos x="18" y="128"/>
+                </a:cxn>
+                <a:cxn ang="0">
+                  <a:pos x="26" y="122"/>
+                </a:cxn>
+                <a:cxn ang="0">
+                  <a:pos x="28" y="116"/>
+                </a:cxn>
+                <a:cxn ang="0">
+                  <a:pos x="44" y="52"/>
+                </a:cxn>
+                <a:cxn ang="0">
+                  <a:pos x="44" y="62"/>
+                </a:cxn>
+                <a:cxn ang="0">
+                  <a:pos x="44" y="102"/>
+                </a:cxn>
+                <a:cxn ang="0">
+                  <a:pos x="44" y="102"/>
+                </a:cxn>
+                <a:cxn ang="0">
+                  <a:pos x="46" y="216"/>
+                </a:cxn>
+                <a:cxn ang="0">
+                  <a:pos x="48" y="222"/>
+                </a:cxn>
+                <a:cxn ang="0">
+                  <a:pos x="58" y="230"/>
+                </a:cxn>
+                <a:cxn ang="0">
+                  <a:pos x="64" y="232"/>
+                </a:cxn>
+                <a:cxn ang="0">
+                  <a:pos x="64" y="232"/>
+                </a:cxn>
+                <a:cxn ang="0">
+                  <a:pos x="76" y="226"/>
+                </a:cxn>
+                <a:cxn ang="0">
+                  <a:pos x="80" y="214"/>
+                </a:cxn>
+                <a:cxn ang="0">
+                  <a:pos x="78" y="168"/>
+                </a:cxn>
+                <a:cxn ang="0">
+                  <a:pos x="76" y="122"/>
+                </a:cxn>
+                <a:cxn ang="0">
+                  <a:pos x="106" y="122"/>
+                </a:cxn>
+                <a:cxn ang="0">
+                  <a:pos x="106" y="168"/>
+                </a:cxn>
+                <a:cxn ang="0">
+                  <a:pos x="104" y="214"/>
+                </a:cxn>
+                <a:cxn ang="0">
+                  <a:pos x="108" y="226"/>
+                </a:cxn>
+                <a:cxn ang="0">
+                  <a:pos x="118" y="232"/>
+                </a:cxn>
+                <a:cxn ang="0">
+                  <a:pos x="120" y="232"/>
+                </a:cxn>
+                <a:cxn ang="0">
+                  <a:pos x="126" y="230"/>
+                </a:cxn>
+                <a:cxn ang="0">
+                  <a:pos x="134" y="222"/>
+                </a:cxn>
+                <a:cxn ang="0">
+                  <a:pos x="136" y="216"/>
+                </a:cxn>
+                <a:cxn ang="0">
+                  <a:pos x="140" y="148"/>
+                </a:cxn>
+                <a:cxn ang="0">
+                  <a:pos x="138" y="146"/>
+                </a:cxn>
+              </a:cxnLst>
+              <a:rect l="0" t="0" r="r" b="b"/>
+              <a:pathLst>
+                <a:path w="154" h="232">
+                  <a:moveTo>
+                    <a:pt x="138" y="146"/>
+                  </a:moveTo>
+                  <a:lnTo>
+                    <a:pt x="138" y="146"/>
+                  </a:lnTo>
+                  <a:lnTo>
+                    <a:pt x="134" y="140"/>
+                  </a:lnTo>
+                  <a:lnTo>
+                    <a:pt x="130" y="132"/>
+                  </a:lnTo>
+                  <a:lnTo>
+                    <a:pt x="130" y="124"/>
+                  </a:lnTo>
+                  <a:lnTo>
+                    <a:pt x="130" y="116"/>
+                  </a:lnTo>
+                  <a:lnTo>
+                    <a:pt x="130" y="116"/>
+                  </a:lnTo>
+                  <a:lnTo>
+                    <a:pt x="134" y="92"/>
+                  </a:lnTo>
+                  <a:lnTo>
+                    <a:pt x="140" y="66"/>
+                  </a:lnTo>
+                  <a:lnTo>
+                    <a:pt x="140" y="62"/>
+                  </a:lnTo>
+                  <a:lnTo>
+                    <a:pt x="140" y="62"/>
+                  </a:lnTo>
+                  <a:lnTo>
+                    <a:pt x="140" y="56"/>
+                  </a:lnTo>
+                  <a:lnTo>
+                    <a:pt x="140" y="56"/>
+                  </a:lnTo>
+                  <a:lnTo>
+                    <a:pt x="142" y="60"/>
+                  </a:lnTo>
+                  <a:lnTo>
+                    <a:pt x="142" y="60"/>
+                  </a:lnTo>
+                  <a:lnTo>
+                    <a:pt x="148" y="42"/>
+                  </a:lnTo>
+                  <a:lnTo>
+                    <a:pt x="154" y="22"/>
+                  </a:lnTo>
+                  <a:lnTo>
+                    <a:pt x="154" y="22"/>
+                  </a:lnTo>
+                  <a:lnTo>
+                    <a:pt x="144" y="12"/>
+                  </a:lnTo>
+                  <a:lnTo>
+                    <a:pt x="144" y="12"/>
+                  </a:lnTo>
+                  <a:lnTo>
+                    <a:pt x="134" y="8"/>
+                  </a:lnTo>
+                  <a:lnTo>
+                    <a:pt x="122" y="4"/>
+                  </a:lnTo>
+                  <a:lnTo>
+                    <a:pt x="108" y="2"/>
+                  </a:lnTo>
+                  <a:lnTo>
+                    <a:pt x="92" y="0"/>
+                  </a:lnTo>
+                  <a:lnTo>
+                    <a:pt x="76" y="2"/>
+                  </a:lnTo>
+                  <a:lnTo>
+                    <a:pt x="62" y="4"/>
+                  </a:lnTo>
+                  <a:lnTo>
+                    <a:pt x="50" y="8"/>
+                  </a:lnTo>
+                  <a:lnTo>
+                    <a:pt x="40" y="12"/>
+                  </a:lnTo>
+                  <a:lnTo>
+                    <a:pt x="40" y="12"/>
+                  </a:lnTo>
+                  <a:lnTo>
+                    <a:pt x="30" y="20"/>
+                  </a:lnTo>
+                  <a:lnTo>
+                    <a:pt x="24" y="32"/>
+                  </a:lnTo>
+                  <a:lnTo>
+                    <a:pt x="18" y="46"/>
+                  </a:lnTo>
+                  <a:lnTo>
+                    <a:pt x="12" y="62"/>
+                  </a:lnTo>
+                  <a:lnTo>
+                    <a:pt x="4" y="92"/>
+                  </a:lnTo>
+                  <a:lnTo>
+                    <a:pt x="0" y="112"/>
+                  </a:lnTo>
+                  <a:lnTo>
+                    <a:pt x="0" y="112"/>
+                  </a:lnTo>
+                  <a:lnTo>
+                    <a:pt x="0" y="118"/>
+                  </a:lnTo>
+                  <a:lnTo>
+                    <a:pt x="2" y="124"/>
+                  </a:lnTo>
+                  <a:lnTo>
+                    <a:pt x="6" y="126"/>
+                  </a:lnTo>
+                  <a:lnTo>
+                    <a:pt x="12" y="128"/>
+                  </a:lnTo>
+                  <a:lnTo>
+                    <a:pt x="12" y="128"/>
+                  </a:lnTo>
+                  <a:lnTo>
+                    <a:pt x="14" y="128"/>
+                  </a:lnTo>
+                  <a:lnTo>
+                    <a:pt x="14" y="128"/>
+                  </a:lnTo>
+                  <a:lnTo>
+                    <a:pt x="18" y="128"/>
+                  </a:lnTo>
+                  <a:lnTo>
+                    <a:pt x="24" y="126"/>
+                  </a:lnTo>
+                  <a:lnTo>
+                    <a:pt x="26" y="122"/>
+                  </a:lnTo>
+                  <a:lnTo>
+                    <a:pt x="28" y="116"/>
+                  </a:lnTo>
+                  <a:lnTo>
+                    <a:pt x="28" y="116"/>
+                  </a:lnTo>
+                  <a:lnTo>
+                    <a:pt x="34" y="82"/>
+                  </a:lnTo>
+                  <a:lnTo>
+                    <a:pt x="44" y="52"/>
+                  </a:lnTo>
+                  <a:lnTo>
+                    <a:pt x="44" y="52"/>
+                  </a:lnTo>
+                  <a:lnTo>
+                    <a:pt x="44" y="62"/>
+                  </a:lnTo>
+                  <a:lnTo>
+                    <a:pt x="44" y="102"/>
+                  </a:lnTo>
+                  <a:lnTo>
+                    <a:pt x="44" y="102"/>
+                  </a:lnTo>
+                  <a:lnTo>
+                    <a:pt x="44" y="102"/>
+                  </a:lnTo>
+                  <a:lnTo>
+                    <a:pt x="44" y="102"/>
+                  </a:lnTo>
+                  <a:lnTo>
+                    <a:pt x="44" y="162"/>
+                  </a:lnTo>
+                  <a:lnTo>
+                    <a:pt x="46" y="216"/>
+                  </a:lnTo>
+                  <a:lnTo>
+                    <a:pt x="46" y="216"/>
+                  </a:lnTo>
+                  <a:lnTo>
+                    <a:pt x="48" y="222"/>
+                  </a:lnTo>
+                  <a:lnTo>
+                    <a:pt x="52" y="228"/>
+                  </a:lnTo>
+                  <a:lnTo>
+                    <a:pt x="58" y="230"/>
+                  </a:lnTo>
+                  <a:lnTo>
+                    <a:pt x="64" y="232"/>
+                  </a:lnTo>
+                  <a:lnTo>
+                    <a:pt x="64" y="232"/>
+                  </a:lnTo>
+                  <a:lnTo>
+                    <a:pt x="64" y="232"/>
+                  </a:lnTo>
+                  <a:lnTo>
+                    <a:pt x="64" y="232"/>
+                  </a:lnTo>
+                  <a:lnTo>
+                    <a:pt x="70" y="230"/>
+                  </a:lnTo>
+                  <a:lnTo>
+                    <a:pt x="76" y="226"/>
+                  </a:lnTo>
+                  <a:lnTo>
+                    <a:pt x="80" y="220"/>
+                  </a:lnTo>
+                  <a:lnTo>
+                    <a:pt x="80" y="214"/>
+                  </a:lnTo>
+                  <a:lnTo>
+                    <a:pt x="80" y="214"/>
+                  </a:lnTo>
+                  <a:lnTo>
+                    <a:pt x="78" y="168"/>
+                  </a:lnTo>
+                  <a:lnTo>
+                    <a:pt x="76" y="122"/>
+                  </a:lnTo>
+                  <a:lnTo>
+                    <a:pt x="76" y="122"/>
+                  </a:lnTo>
+                  <a:lnTo>
+                    <a:pt x="92" y="122"/>
+                  </a:lnTo>
+                  <a:lnTo>
+                    <a:pt x="106" y="122"/>
+                  </a:lnTo>
+                  <a:lnTo>
+                    <a:pt x="106" y="122"/>
+                  </a:lnTo>
+                  <a:lnTo>
+                    <a:pt x="106" y="168"/>
+                  </a:lnTo>
+                  <a:lnTo>
+                    <a:pt x="104" y="214"/>
+                  </a:lnTo>
+                  <a:lnTo>
+                    <a:pt x="104" y="214"/>
+                  </a:lnTo>
+                  <a:lnTo>
+                    <a:pt x="104" y="220"/>
+                  </a:lnTo>
+                  <a:lnTo>
+                    <a:pt x="108" y="226"/>
+                  </a:lnTo>
+                  <a:lnTo>
+                    <a:pt x="112" y="230"/>
+                  </a:lnTo>
+                  <a:lnTo>
+                    <a:pt x="118" y="232"/>
+                  </a:lnTo>
+                  <a:lnTo>
+                    <a:pt x="118" y="232"/>
+                  </a:lnTo>
+                  <a:lnTo>
+                    <a:pt x="120" y="232"/>
+                  </a:lnTo>
+                  <a:lnTo>
+                    <a:pt x="120" y="232"/>
+                  </a:lnTo>
+                  <a:lnTo>
+                    <a:pt x="126" y="230"/>
+                  </a:lnTo>
+                  <a:lnTo>
+                    <a:pt x="132" y="228"/>
+                  </a:lnTo>
+                  <a:lnTo>
+                    <a:pt x="134" y="222"/>
+                  </a:lnTo>
+                  <a:lnTo>
+                    <a:pt x="136" y="216"/>
+                  </a:lnTo>
+                  <a:lnTo>
+                    <a:pt x="136" y="216"/>
+                  </a:lnTo>
+                  <a:lnTo>
+                    <a:pt x="140" y="148"/>
+                  </a:lnTo>
+                  <a:lnTo>
+                    <a:pt x="140" y="148"/>
+                  </a:lnTo>
+                  <a:lnTo>
+                    <a:pt x="138" y="146"/>
+                  </a:lnTo>
+                  <a:lnTo>
+                    <a:pt x="138" y="146"/>
+                  </a:lnTo>
+                  <a:close/>
+                </a:path>
+              </a:pathLst>
+            </a:custGeom>
+            <a:grpFill/>
+            <a:ln w="9525">
+              <a:noFill/>
+              <a:round/>
+              <a:headEnd/>
+              <a:tailEnd/>
+            </a:ln>
+          </p:spPr>
+          <p:txBody>
+            <a:bodyPr vert="horz" wrap="square" lIns="121920" tIns="60960" rIns="121920" bIns="60960" numCol="1" anchor="t" anchorCtr="0" compatLnSpc="1">
+              <a:prstTxWarp prst="textNoShape">
+                <a:avLst/>
+              </a:prstTxWarp>
+            </a:bodyPr>
+            <a:lstStyle/>
+            <a:p>
+              <a:endParaRPr lang="zh-CN" altLang="en-US" sz="3200"/>
+            </a:p>
+          </p:txBody>
+        </p:sp>
+        <p:sp>
+          <p:nvSpPr>
+            <p:cNvPr id="9" name="Freeform 96"/>
+            <p:cNvSpPr>
+              <a:spLocks/>
+            </p:cNvSpPr>
+            <p:nvPr/>
+          </p:nvSpPr>
+          <p:spPr bwMode="auto">
+            <a:xfrm>
+              <a:off x="901700" y="1962150"/>
+              <a:ext cx="298450" cy="434975"/>
+            </a:xfrm>
+            <a:custGeom>
+              <a:avLst/>
+              <a:gdLst/>
+              <a:ahLst/>
+              <a:cxnLst>
+                <a:cxn ang="0">
+                  <a:pos x="142" y="14"/>
+                </a:cxn>
+                <a:cxn ang="0">
+                  <a:pos x="116" y="2"/>
+                </a:cxn>
+                <a:cxn ang="0">
+                  <a:pos x="80" y="0"/>
+                </a:cxn>
+                <a:cxn ang="0">
+                  <a:pos x="44" y="2"/>
+                </a:cxn>
+                <a:cxn ang="0">
+                  <a:pos x="18" y="12"/>
+                </a:cxn>
+                <a:cxn ang="0">
+                  <a:pos x="8" y="20"/>
+                </a:cxn>
+                <a:cxn ang="0">
+                  <a:pos x="0" y="30"/>
+                </a:cxn>
+                <a:cxn ang="0">
+                  <a:pos x="18" y="72"/>
+                </a:cxn>
+                <a:cxn ang="0">
+                  <a:pos x="22" y="62"/>
+                </a:cxn>
+                <a:cxn ang="0">
+                  <a:pos x="22" y="72"/>
+                </a:cxn>
+                <a:cxn ang="0">
+                  <a:pos x="22" y="84"/>
+                </a:cxn>
+                <a:cxn ang="0">
+                  <a:pos x="36" y="144"/>
+                </a:cxn>
+                <a:cxn ang="0">
+                  <a:pos x="36" y="154"/>
+                </a:cxn>
+                <a:cxn ang="0">
+                  <a:pos x="28" y="172"/>
+                </a:cxn>
+                <a:cxn ang="0">
+                  <a:pos x="22" y="180"/>
+                </a:cxn>
+                <a:cxn ang="0">
+                  <a:pos x="26" y="256"/>
+                </a:cxn>
+                <a:cxn ang="0">
+                  <a:pos x="32" y="270"/>
+                </a:cxn>
+                <a:cxn ang="0">
+                  <a:pos x="46" y="274"/>
+                </a:cxn>
+                <a:cxn ang="0">
+                  <a:pos x="46" y="274"/>
+                </a:cxn>
+                <a:cxn ang="0">
+                  <a:pos x="54" y="272"/>
+                </a:cxn>
+                <a:cxn ang="0">
+                  <a:pos x="64" y="262"/>
+                </a:cxn>
+                <a:cxn ang="0">
+                  <a:pos x="66" y="254"/>
+                </a:cxn>
+                <a:cxn ang="0">
+                  <a:pos x="62" y="142"/>
+                </a:cxn>
+                <a:cxn ang="0">
+                  <a:pos x="78" y="144"/>
+                </a:cxn>
+                <a:cxn ang="0">
+                  <a:pos x="96" y="142"/>
+                </a:cxn>
+                <a:cxn ang="0">
+                  <a:pos x="92" y="254"/>
+                </a:cxn>
+                <a:cxn ang="0">
+                  <a:pos x="94" y="262"/>
+                </a:cxn>
+                <a:cxn ang="0">
+                  <a:pos x="104" y="272"/>
+                </a:cxn>
+                <a:cxn ang="0">
+                  <a:pos x="112" y="274"/>
+                </a:cxn>
+                <a:cxn ang="0">
+                  <a:pos x="112" y="274"/>
+                </a:cxn>
+                <a:cxn ang="0">
+                  <a:pos x="126" y="270"/>
+                </a:cxn>
+                <a:cxn ang="0">
+                  <a:pos x="132" y="256"/>
+                </a:cxn>
+                <a:cxn ang="0">
+                  <a:pos x="136" y="190"/>
+                </a:cxn>
+                <a:cxn ang="0">
+                  <a:pos x="136" y="122"/>
+                </a:cxn>
+                <a:cxn ang="0">
+                  <a:pos x="136" y="72"/>
+                </a:cxn>
+                <a:cxn ang="0">
+                  <a:pos x="136" y="64"/>
+                </a:cxn>
+                <a:cxn ang="0">
+                  <a:pos x="148" y="100"/>
+                </a:cxn>
+                <a:cxn ang="0">
+                  <a:pos x="156" y="138"/>
+                </a:cxn>
+                <a:cxn ang="0">
+                  <a:pos x="162" y="148"/>
+                </a:cxn>
+                <a:cxn ang="0">
+                  <a:pos x="174" y="152"/>
+                </a:cxn>
+                <a:cxn ang="0">
+                  <a:pos x="180" y="148"/>
+                </a:cxn>
+                <a:cxn ang="0">
+                  <a:pos x="188" y="138"/>
+                </a:cxn>
+                <a:cxn ang="0">
+                  <a:pos x="188" y="132"/>
+                </a:cxn>
+                <a:cxn ang="0">
+                  <a:pos x="174" y="76"/>
+                </a:cxn>
+                <a:cxn ang="0">
+                  <a:pos x="160" y="38"/>
+                </a:cxn>
+                <a:cxn ang="0">
+                  <a:pos x="142" y="14"/>
+                </a:cxn>
+              </a:cxnLst>
+              <a:rect l="0" t="0" r="r" b="b"/>
+              <a:pathLst>
+                <a:path w="188" h="274">
+                  <a:moveTo>
+                    <a:pt x="142" y="14"/>
+                  </a:moveTo>
+                  <a:lnTo>
+                    <a:pt x="142" y="14"/>
+                  </a:lnTo>
+                  <a:lnTo>
+                    <a:pt x="130" y="6"/>
+                  </a:lnTo>
+                  <a:lnTo>
+                    <a:pt x="116" y="2"/>
+                  </a:lnTo>
+                  <a:lnTo>
+                    <a:pt x="98" y="0"/>
+                  </a:lnTo>
+                  <a:lnTo>
+                    <a:pt x="80" y="0"/>
+                  </a:lnTo>
+                  <a:lnTo>
+                    <a:pt x="62" y="0"/>
+                  </a:lnTo>
+                  <a:lnTo>
+                    <a:pt x="44" y="2"/>
+                  </a:lnTo>
+                  <a:lnTo>
+                    <a:pt x="28" y="8"/>
+                  </a:lnTo>
+                  <a:lnTo>
+                    <a:pt x="18" y="12"/>
+                  </a:lnTo>
+                  <a:lnTo>
+                    <a:pt x="18" y="12"/>
+                  </a:lnTo>
+                  <a:lnTo>
+                    <a:pt x="8" y="20"/>
+                  </a:lnTo>
+                  <a:lnTo>
+                    <a:pt x="0" y="30"/>
+                  </a:lnTo>
+                  <a:lnTo>
+                    <a:pt x="0" y="30"/>
+                  </a:lnTo>
+                  <a:lnTo>
+                    <a:pt x="10" y="52"/>
+                  </a:lnTo>
+                  <a:lnTo>
+                    <a:pt x="18" y="72"/>
+                  </a:lnTo>
+                  <a:lnTo>
+                    <a:pt x="18" y="72"/>
+                  </a:lnTo>
+                  <a:lnTo>
+                    <a:pt x="22" y="62"/>
+                  </a:lnTo>
+                  <a:lnTo>
+                    <a:pt x="22" y="62"/>
+                  </a:lnTo>
+                  <a:lnTo>
+                    <a:pt x="22" y="72"/>
+                  </a:lnTo>
+                  <a:lnTo>
+                    <a:pt x="22" y="84"/>
+                  </a:lnTo>
+                  <a:lnTo>
+                    <a:pt x="22" y="84"/>
+                  </a:lnTo>
+                  <a:lnTo>
+                    <a:pt x="30" y="116"/>
+                  </a:lnTo>
+                  <a:lnTo>
+                    <a:pt x="36" y="144"/>
+                  </a:lnTo>
+                  <a:lnTo>
+                    <a:pt x="36" y="144"/>
+                  </a:lnTo>
+                  <a:lnTo>
+                    <a:pt x="36" y="154"/>
+                  </a:lnTo>
+                  <a:lnTo>
+                    <a:pt x="34" y="164"/>
+                  </a:lnTo>
+                  <a:lnTo>
+                    <a:pt x="28" y="172"/>
+                  </a:lnTo>
+                  <a:lnTo>
+                    <a:pt x="22" y="180"/>
+                  </a:lnTo>
+                  <a:lnTo>
+                    <a:pt x="22" y="180"/>
+                  </a:lnTo>
+                  <a:lnTo>
+                    <a:pt x="26" y="256"/>
+                  </a:lnTo>
+                  <a:lnTo>
+                    <a:pt x="26" y="256"/>
+                  </a:lnTo>
+                  <a:lnTo>
+                    <a:pt x="28" y="264"/>
+                  </a:lnTo>
+                  <a:lnTo>
+                    <a:pt x="32" y="270"/>
+                  </a:lnTo>
+                  <a:lnTo>
+                    <a:pt x="38" y="272"/>
+                  </a:lnTo>
+                  <a:lnTo>
+                    <a:pt x="46" y="274"/>
+                  </a:lnTo>
+                  <a:lnTo>
+                    <a:pt x="46" y="274"/>
+                  </a:lnTo>
+                  <a:lnTo>
+                    <a:pt x="46" y="274"/>
+                  </a:lnTo>
+                  <a:lnTo>
+                    <a:pt x="46" y="274"/>
+                  </a:lnTo>
+                  <a:lnTo>
+                    <a:pt x="54" y="272"/>
+                  </a:lnTo>
+                  <a:lnTo>
+                    <a:pt x="60" y="268"/>
+                  </a:lnTo>
+                  <a:lnTo>
+                    <a:pt x="64" y="262"/>
+                  </a:lnTo>
+                  <a:lnTo>
+                    <a:pt x="66" y="254"/>
+                  </a:lnTo>
+                  <a:lnTo>
+                    <a:pt x="66" y="254"/>
+                  </a:lnTo>
+                  <a:lnTo>
+                    <a:pt x="62" y="200"/>
+                  </a:lnTo>
+                  <a:lnTo>
+                    <a:pt x="62" y="142"/>
+                  </a:lnTo>
+                  <a:lnTo>
+                    <a:pt x="62" y="142"/>
+                  </a:lnTo>
+                  <a:lnTo>
+                    <a:pt x="78" y="144"/>
+                  </a:lnTo>
+                  <a:lnTo>
+                    <a:pt x="96" y="142"/>
+                  </a:lnTo>
+                  <a:lnTo>
+                    <a:pt x="96" y="142"/>
+                  </a:lnTo>
+                  <a:lnTo>
+                    <a:pt x="96" y="200"/>
+                  </a:lnTo>
+                  <a:lnTo>
+                    <a:pt x="92" y="254"/>
+                  </a:lnTo>
+                  <a:lnTo>
+                    <a:pt x="92" y="254"/>
+                  </a:lnTo>
+                  <a:lnTo>
+                    <a:pt x="94" y="262"/>
+                  </a:lnTo>
+                  <a:lnTo>
+                    <a:pt x="98" y="268"/>
+                  </a:lnTo>
+                  <a:lnTo>
+                    <a:pt x="104" y="272"/>
+                  </a:lnTo>
+                  <a:lnTo>
+                    <a:pt x="112" y="274"/>
+                  </a:lnTo>
+                  <a:lnTo>
+                    <a:pt x="112" y="274"/>
+                  </a:lnTo>
+                  <a:lnTo>
+                    <a:pt x="112" y="274"/>
+                  </a:lnTo>
+                  <a:lnTo>
+                    <a:pt x="112" y="274"/>
+                  </a:lnTo>
+                  <a:lnTo>
+                    <a:pt x="120" y="274"/>
+                  </a:lnTo>
+                  <a:lnTo>
+                    <a:pt x="126" y="270"/>
+                  </a:lnTo>
+                  <a:lnTo>
+                    <a:pt x="130" y="264"/>
+                  </a:lnTo>
+                  <a:lnTo>
+                    <a:pt x="132" y="256"/>
+                  </a:lnTo>
+                  <a:lnTo>
+                    <a:pt x="132" y="256"/>
+                  </a:lnTo>
+                  <a:lnTo>
+                    <a:pt x="136" y="190"/>
+                  </a:lnTo>
+                  <a:lnTo>
+                    <a:pt x="136" y="122"/>
+                  </a:lnTo>
+                  <a:lnTo>
+                    <a:pt x="136" y="122"/>
+                  </a:lnTo>
+                  <a:lnTo>
+                    <a:pt x="136" y="120"/>
+                  </a:lnTo>
+                  <a:lnTo>
+                    <a:pt x="136" y="72"/>
+                  </a:lnTo>
+                  <a:lnTo>
+                    <a:pt x="136" y="72"/>
+                  </a:lnTo>
+                  <a:lnTo>
+                    <a:pt x="136" y="64"/>
+                  </a:lnTo>
+                  <a:lnTo>
+                    <a:pt x="136" y="64"/>
+                  </a:lnTo>
+                  <a:lnTo>
+                    <a:pt x="148" y="100"/>
+                  </a:lnTo>
+                  <a:lnTo>
+                    <a:pt x="156" y="138"/>
+                  </a:lnTo>
+                  <a:lnTo>
+                    <a:pt x="156" y="138"/>
+                  </a:lnTo>
+                  <a:lnTo>
+                    <a:pt x="158" y="144"/>
+                  </a:lnTo>
+                  <a:lnTo>
+                    <a:pt x="162" y="148"/>
+                  </a:lnTo>
+                  <a:lnTo>
+                    <a:pt x="168" y="152"/>
+                  </a:lnTo>
+                  <a:lnTo>
+                    <a:pt x="174" y="152"/>
+                  </a:lnTo>
+                  <a:lnTo>
+                    <a:pt x="174" y="152"/>
+                  </a:lnTo>
+                  <a:lnTo>
+                    <a:pt x="180" y="148"/>
+                  </a:lnTo>
+                  <a:lnTo>
+                    <a:pt x="186" y="144"/>
+                  </a:lnTo>
+                  <a:lnTo>
+                    <a:pt x="188" y="138"/>
+                  </a:lnTo>
+                  <a:lnTo>
+                    <a:pt x="188" y="132"/>
+                  </a:lnTo>
+                  <a:lnTo>
+                    <a:pt x="188" y="132"/>
+                  </a:lnTo>
+                  <a:lnTo>
+                    <a:pt x="184" y="110"/>
+                  </a:lnTo>
+                  <a:lnTo>
+                    <a:pt x="174" y="76"/>
+                  </a:lnTo>
+                  <a:lnTo>
+                    <a:pt x="168" y="56"/>
+                  </a:lnTo>
+                  <a:lnTo>
+                    <a:pt x="160" y="38"/>
+                  </a:lnTo>
+                  <a:lnTo>
+                    <a:pt x="152" y="24"/>
+                  </a:lnTo>
+                  <a:lnTo>
+                    <a:pt x="142" y="14"/>
+                  </a:lnTo>
+                  <a:lnTo>
+                    <a:pt x="142" y="14"/>
+                  </a:lnTo>
+                  <a:close/>
+                </a:path>
+              </a:pathLst>
+            </a:custGeom>
+            <a:grpFill/>
+            <a:ln w="9525">
+              <a:noFill/>
+              <a:round/>
+              <a:headEnd/>
+              <a:tailEnd/>
+            </a:ln>
+          </p:spPr>
+          <p:txBody>
+            <a:bodyPr vert="horz" wrap="square" lIns="121920" tIns="60960" rIns="121920" bIns="60960" numCol="1" anchor="t" anchorCtr="0" compatLnSpc="1">
+              <a:prstTxWarp prst="textNoShape">
+                <a:avLst/>
+              </a:prstTxWarp>
+            </a:bodyPr>
+            <a:lstStyle/>
+            <a:p>
+              <a:endParaRPr lang="zh-CN" altLang="en-US" sz="3200"/>
+            </a:p>
+          </p:txBody>
+        </p:sp>
+        <p:sp>
+          <p:nvSpPr>
+            <p:cNvPr id="10" name="Freeform 97"/>
+            <p:cNvSpPr>
+              <a:spLocks/>
+            </p:cNvSpPr>
+            <p:nvPr/>
+          </p:nvSpPr>
+          <p:spPr bwMode="auto">
+            <a:xfrm>
+              <a:off x="857250" y="2051050"/>
+              <a:ext cx="53975" cy="152400"/>
+            </a:xfrm>
+            <a:custGeom>
+              <a:avLst/>
+              <a:gdLst/>
+              <a:ahLst/>
+              <a:cxnLst>
+                <a:cxn ang="0">
+                  <a:pos x="0" y="68"/>
+                </a:cxn>
+                <a:cxn ang="0">
+                  <a:pos x="0" y="68"/>
+                </a:cxn>
+                <a:cxn ang="0">
+                  <a:pos x="4" y="92"/>
+                </a:cxn>
+                <a:cxn ang="0">
+                  <a:pos x="4" y="92"/>
+                </a:cxn>
+                <a:cxn ang="0">
+                  <a:pos x="12" y="96"/>
+                </a:cxn>
+                <a:cxn ang="0">
+                  <a:pos x="12" y="96"/>
+                </a:cxn>
+                <a:cxn ang="0">
+                  <a:pos x="14" y="96"/>
+                </a:cxn>
+                <a:cxn ang="0">
+                  <a:pos x="14" y="96"/>
+                </a:cxn>
+                <a:cxn ang="0">
+                  <a:pos x="20" y="94"/>
+                </a:cxn>
+                <a:cxn ang="0">
+                  <a:pos x="26" y="92"/>
+                </a:cxn>
+                <a:cxn ang="0">
+                  <a:pos x="28" y="88"/>
+                </a:cxn>
+                <a:cxn ang="0">
+                  <a:pos x="30" y="82"/>
+                </a:cxn>
+                <a:cxn ang="0">
+                  <a:pos x="30" y="82"/>
+                </a:cxn>
+                <a:cxn ang="0">
+                  <a:pos x="34" y="58"/>
+                </a:cxn>
+                <a:cxn ang="0">
+                  <a:pos x="34" y="58"/>
+                </a:cxn>
+                <a:cxn ang="0">
+                  <a:pos x="28" y="30"/>
+                </a:cxn>
+                <a:cxn ang="0">
+                  <a:pos x="16" y="0"/>
+                </a:cxn>
+                <a:cxn ang="0">
+                  <a:pos x="16" y="0"/>
+                </a:cxn>
+                <a:cxn ang="0">
+                  <a:pos x="10" y="18"/>
+                </a:cxn>
+                <a:cxn ang="0">
+                  <a:pos x="6" y="36"/>
+                </a:cxn>
+                <a:cxn ang="0">
+                  <a:pos x="0" y="68"/>
+                </a:cxn>
+                <a:cxn ang="0">
+                  <a:pos x="0" y="68"/>
+                </a:cxn>
+              </a:cxnLst>
+              <a:rect l="0" t="0" r="r" b="b"/>
+              <a:pathLst>
+                <a:path w="34" h="96">
+                  <a:moveTo>
+                    <a:pt x="0" y="68"/>
+                  </a:moveTo>
+                  <a:lnTo>
+                    <a:pt x="0" y="68"/>
+                  </a:lnTo>
+                  <a:lnTo>
+                    <a:pt x="4" y="92"/>
+                  </a:lnTo>
+                  <a:lnTo>
+                    <a:pt x="4" y="92"/>
+                  </a:lnTo>
+                  <a:lnTo>
+                    <a:pt x="12" y="96"/>
+                  </a:lnTo>
+                  <a:lnTo>
+                    <a:pt x="12" y="96"/>
+                  </a:lnTo>
+                  <a:lnTo>
+                    <a:pt x="14" y="96"/>
+                  </a:lnTo>
+                  <a:lnTo>
+                    <a:pt x="14" y="96"/>
+                  </a:lnTo>
+                  <a:lnTo>
+                    <a:pt x="20" y="94"/>
+                  </a:lnTo>
+                  <a:lnTo>
+                    <a:pt x="26" y="92"/>
+                  </a:lnTo>
+                  <a:lnTo>
+                    <a:pt x="28" y="88"/>
+                  </a:lnTo>
+                  <a:lnTo>
+                    <a:pt x="30" y="82"/>
+                  </a:lnTo>
+                  <a:lnTo>
+                    <a:pt x="30" y="82"/>
+                  </a:lnTo>
+                  <a:lnTo>
+                    <a:pt x="34" y="58"/>
+                  </a:lnTo>
+                  <a:lnTo>
+                    <a:pt x="34" y="58"/>
+                  </a:lnTo>
+                  <a:lnTo>
+                    <a:pt x="28" y="30"/>
+                  </a:lnTo>
+                  <a:lnTo>
+                    <a:pt x="16" y="0"/>
+                  </a:lnTo>
+                  <a:lnTo>
+                    <a:pt x="16" y="0"/>
+                  </a:lnTo>
+                  <a:lnTo>
+                    <a:pt x="10" y="18"/>
+                  </a:lnTo>
+                  <a:lnTo>
+                    <a:pt x="6" y="36"/>
+                  </a:lnTo>
+                  <a:lnTo>
+                    <a:pt x="0" y="68"/>
+                  </a:lnTo>
+                  <a:lnTo>
+                    <a:pt x="0" y="68"/>
+                  </a:lnTo>
+                  <a:close/>
+                </a:path>
+              </a:pathLst>
+            </a:custGeom>
+            <a:grpFill/>
+            <a:ln w="9525">
+              <a:noFill/>
+              <a:round/>
+              <a:headEnd/>
+              <a:tailEnd/>
+            </a:ln>
+          </p:spPr>
+          <p:txBody>
+            <a:bodyPr vert="horz" wrap="square" lIns="121920" tIns="60960" rIns="121920" bIns="60960" numCol="1" anchor="t" anchorCtr="0" compatLnSpc="1">
+              <a:prstTxWarp prst="textNoShape">
+                <a:avLst/>
+              </a:prstTxWarp>
+            </a:bodyPr>
+            <a:lstStyle/>
+            <a:p>
+              <a:endParaRPr lang="zh-CN" altLang="en-US" sz="3200"/>
+            </a:p>
+          </p:txBody>
+        </p:sp>
+        <p:sp>
+          <p:nvSpPr>
+            <p:cNvPr id="11" name="Freeform 98"/>
+            <p:cNvSpPr>
+              <a:spLocks/>
+            </p:cNvSpPr>
+            <p:nvPr/>
+          </p:nvSpPr>
+          <p:spPr bwMode="auto">
+            <a:xfrm>
+              <a:off x="542925" y="1962150"/>
+              <a:ext cx="381000" cy="482600"/>
+            </a:xfrm>
+            <a:custGeom>
+              <a:avLst/>
+              <a:gdLst/>
+              <a:ahLst/>
+              <a:cxnLst>
+                <a:cxn ang="0">
+                  <a:pos x="222" y="168"/>
+                </a:cxn>
+                <a:cxn ang="0">
+                  <a:pos x="224" y="168"/>
+                </a:cxn>
+                <a:cxn ang="0">
+                  <a:pos x="236" y="160"/>
+                </a:cxn>
+                <a:cxn ang="0">
+                  <a:pos x="240" y="146"/>
+                </a:cxn>
+                <a:cxn ang="0">
+                  <a:pos x="234" y="122"/>
+                </a:cxn>
+                <a:cxn ang="0">
+                  <a:pos x="218" y="64"/>
+                </a:cxn>
+                <a:cxn ang="0">
+                  <a:pos x="200" y="28"/>
+                </a:cxn>
+                <a:cxn ang="0">
+                  <a:pos x="190" y="16"/>
+                </a:cxn>
+                <a:cxn ang="0">
+                  <a:pos x="160" y="4"/>
+                </a:cxn>
+                <a:cxn ang="0">
+                  <a:pos x="122" y="0"/>
+                </a:cxn>
+                <a:cxn ang="0">
+                  <a:pos x="102" y="2"/>
+                </a:cxn>
+                <a:cxn ang="0">
+                  <a:pos x="64" y="8"/>
+                </a:cxn>
+                <a:cxn ang="0">
+                  <a:pos x="52" y="16"/>
+                </a:cxn>
+                <a:cxn ang="0">
+                  <a:pos x="40" y="26"/>
+                </a:cxn>
+                <a:cxn ang="0">
+                  <a:pos x="22" y="60"/>
+                </a:cxn>
+                <a:cxn ang="0">
+                  <a:pos x="4" y="118"/>
+                </a:cxn>
+                <a:cxn ang="0">
+                  <a:pos x="0" y="148"/>
+                </a:cxn>
+                <a:cxn ang="0">
+                  <a:pos x="4" y="160"/>
+                </a:cxn>
+                <a:cxn ang="0">
+                  <a:pos x="16" y="168"/>
+                </a:cxn>
+                <a:cxn ang="0">
+                  <a:pos x="18" y="168"/>
+                </a:cxn>
+                <a:cxn ang="0">
+                  <a:pos x="24" y="168"/>
+                </a:cxn>
+                <a:cxn ang="0">
+                  <a:pos x="34" y="158"/>
+                </a:cxn>
+                <a:cxn ang="0">
+                  <a:pos x="36" y="152"/>
+                </a:cxn>
+                <a:cxn ang="0">
+                  <a:pos x="50" y="86"/>
+                </a:cxn>
+                <a:cxn ang="0">
+                  <a:pos x="58" y="68"/>
+                </a:cxn>
+                <a:cxn ang="0">
+                  <a:pos x="56" y="134"/>
+                </a:cxn>
+                <a:cxn ang="0">
+                  <a:pos x="56" y="134"/>
+                </a:cxn>
+                <a:cxn ang="0">
+                  <a:pos x="58" y="210"/>
+                </a:cxn>
+                <a:cxn ang="0">
+                  <a:pos x="60" y="284"/>
+                </a:cxn>
+                <a:cxn ang="0">
+                  <a:pos x="68" y="298"/>
+                </a:cxn>
+                <a:cxn ang="0">
+                  <a:pos x="82" y="304"/>
+                </a:cxn>
+                <a:cxn ang="0">
+                  <a:pos x="84" y="304"/>
+                </a:cxn>
+                <a:cxn ang="0">
+                  <a:pos x="92" y="302"/>
+                </a:cxn>
+                <a:cxn ang="0">
+                  <a:pos x="104" y="288"/>
+                </a:cxn>
+                <a:cxn ang="0">
+                  <a:pos x="104" y="280"/>
+                </a:cxn>
+                <a:cxn ang="0">
+                  <a:pos x="100" y="158"/>
+                </a:cxn>
+                <a:cxn ang="0">
+                  <a:pos x="120" y="160"/>
+                </a:cxn>
+                <a:cxn ang="0">
+                  <a:pos x="140" y="158"/>
+                </a:cxn>
+                <a:cxn ang="0">
+                  <a:pos x="138" y="220"/>
+                </a:cxn>
+                <a:cxn ang="0">
+                  <a:pos x="134" y="280"/>
+                </a:cxn>
+                <a:cxn ang="0">
+                  <a:pos x="140" y="296"/>
+                </a:cxn>
+                <a:cxn ang="0">
+                  <a:pos x="154" y="304"/>
+                </a:cxn>
+                <a:cxn ang="0">
+                  <a:pos x="156" y="304"/>
+                </a:cxn>
+                <a:cxn ang="0">
+                  <a:pos x="164" y="302"/>
+                </a:cxn>
+                <a:cxn ang="0">
+                  <a:pos x="176" y="292"/>
+                </a:cxn>
+                <a:cxn ang="0">
+                  <a:pos x="178" y="284"/>
+                </a:cxn>
+                <a:cxn ang="0">
+                  <a:pos x="182" y="136"/>
+                </a:cxn>
+                <a:cxn ang="0">
+                  <a:pos x="184" y="134"/>
+                </a:cxn>
+                <a:cxn ang="0">
+                  <a:pos x="184" y="80"/>
+                </a:cxn>
+                <a:cxn ang="0">
+                  <a:pos x="182" y="72"/>
+                </a:cxn>
+                <a:cxn ang="0">
+                  <a:pos x="204" y="154"/>
+                </a:cxn>
+                <a:cxn ang="0">
+                  <a:pos x="206" y="160"/>
+                </a:cxn>
+                <a:cxn ang="0">
+                  <a:pos x="216" y="168"/>
+                </a:cxn>
+                <a:cxn ang="0">
+                  <a:pos x="222" y="168"/>
+                </a:cxn>
+              </a:cxnLst>
+              <a:rect l="0" t="0" r="r" b="b"/>
+              <a:pathLst>
+                <a:path w="240" h="304">
+                  <a:moveTo>
+                    <a:pt x="222" y="168"/>
+                  </a:moveTo>
+                  <a:lnTo>
+                    <a:pt x="222" y="168"/>
+                  </a:lnTo>
+                  <a:lnTo>
+                    <a:pt x="224" y="168"/>
+                  </a:lnTo>
+                  <a:lnTo>
+                    <a:pt x="224" y="168"/>
+                  </a:lnTo>
+                  <a:lnTo>
+                    <a:pt x="232" y="166"/>
+                  </a:lnTo>
+                  <a:lnTo>
+                    <a:pt x="236" y="160"/>
+                  </a:lnTo>
+                  <a:lnTo>
+                    <a:pt x="240" y="154"/>
+                  </a:lnTo>
+                  <a:lnTo>
+                    <a:pt x="240" y="146"/>
+                  </a:lnTo>
+                  <a:lnTo>
+                    <a:pt x="240" y="146"/>
+                  </a:lnTo>
+                  <a:lnTo>
+                    <a:pt x="234" y="122"/>
+                  </a:lnTo>
+                  <a:lnTo>
+                    <a:pt x="224" y="84"/>
+                  </a:lnTo>
+                  <a:lnTo>
+                    <a:pt x="218" y="64"/>
+                  </a:lnTo>
+                  <a:lnTo>
+                    <a:pt x="210" y="44"/>
+                  </a:lnTo>
+                  <a:lnTo>
+                    <a:pt x="200" y="28"/>
+                  </a:lnTo>
+                  <a:lnTo>
+                    <a:pt x="190" y="16"/>
+                  </a:lnTo>
+                  <a:lnTo>
+                    <a:pt x="190" y="16"/>
+                  </a:lnTo>
+                  <a:lnTo>
+                    <a:pt x="176" y="10"/>
+                  </a:lnTo>
+                  <a:lnTo>
+                    <a:pt x="160" y="4"/>
+                  </a:lnTo>
+                  <a:lnTo>
+                    <a:pt x="142" y="2"/>
+                  </a:lnTo>
+                  <a:lnTo>
+                    <a:pt x="122" y="0"/>
+                  </a:lnTo>
+                  <a:lnTo>
+                    <a:pt x="122" y="0"/>
+                  </a:lnTo>
+                  <a:lnTo>
+                    <a:pt x="102" y="2"/>
+                  </a:lnTo>
+                  <a:lnTo>
+                    <a:pt x="82" y="4"/>
+                  </a:lnTo>
+                  <a:lnTo>
+                    <a:pt x="64" y="8"/>
+                  </a:lnTo>
+                  <a:lnTo>
+                    <a:pt x="52" y="16"/>
+                  </a:lnTo>
+                  <a:lnTo>
+                    <a:pt x="52" y="16"/>
+                  </a:lnTo>
+                  <a:lnTo>
+                    <a:pt x="46" y="20"/>
+                  </a:lnTo>
+                  <a:lnTo>
+                    <a:pt x="40" y="26"/>
+                  </a:lnTo>
+                  <a:lnTo>
+                    <a:pt x="30" y="42"/>
+                  </a:lnTo>
+                  <a:lnTo>
+                    <a:pt x="22" y="60"/>
+                  </a:lnTo>
+                  <a:lnTo>
+                    <a:pt x="14" y="80"/>
+                  </a:lnTo>
+                  <a:lnTo>
+                    <a:pt x="4" y="118"/>
+                  </a:lnTo>
+                  <a:lnTo>
+                    <a:pt x="0" y="148"/>
+                  </a:lnTo>
+                  <a:lnTo>
+                    <a:pt x="0" y="148"/>
+                  </a:lnTo>
+                  <a:lnTo>
+                    <a:pt x="0" y="154"/>
+                  </a:lnTo>
+                  <a:lnTo>
+                    <a:pt x="4" y="160"/>
+                  </a:lnTo>
+                  <a:lnTo>
+                    <a:pt x="8" y="166"/>
+                  </a:lnTo>
+                  <a:lnTo>
+                    <a:pt x="16" y="168"/>
+                  </a:lnTo>
+                  <a:lnTo>
+                    <a:pt x="16" y="168"/>
+                  </a:lnTo>
+                  <a:lnTo>
+                    <a:pt x="18" y="168"/>
+                  </a:lnTo>
+                  <a:lnTo>
+                    <a:pt x="18" y="168"/>
+                  </a:lnTo>
+                  <a:lnTo>
+                    <a:pt x="24" y="168"/>
+                  </a:lnTo>
+                  <a:lnTo>
+                    <a:pt x="30" y="164"/>
+                  </a:lnTo>
+                  <a:lnTo>
+                    <a:pt x="34" y="158"/>
+                  </a:lnTo>
+                  <a:lnTo>
+                    <a:pt x="36" y="152"/>
+                  </a:lnTo>
+                  <a:lnTo>
+                    <a:pt x="36" y="152"/>
+                  </a:lnTo>
+                  <a:lnTo>
+                    <a:pt x="44" y="108"/>
+                  </a:lnTo>
+                  <a:lnTo>
+                    <a:pt x="50" y="86"/>
+                  </a:lnTo>
+                  <a:lnTo>
+                    <a:pt x="58" y="68"/>
+                  </a:lnTo>
+                  <a:lnTo>
+                    <a:pt x="58" y="68"/>
+                  </a:lnTo>
+                  <a:lnTo>
+                    <a:pt x="56" y="80"/>
+                  </a:lnTo>
+                  <a:lnTo>
+                    <a:pt x="56" y="134"/>
+                  </a:lnTo>
+                  <a:lnTo>
+                    <a:pt x="56" y="134"/>
+                  </a:lnTo>
+                  <a:lnTo>
+                    <a:pt x="56" y="134"/>
+                  </a:lnTo>
+                  <a:lnTo>
+                    <a:pt x="56" y="134"/>
+                  </a:lnTo>
+                  <a:lnTo>
+                    <a:pt x="58" y="210"/>
+                  </a:lnTo>
+                  <a:lnTo>
+                    <a:pt x="60" y="284"/>
+                  </a:lnTo>
+                  <a:lnTo>
+                    <a:pt x="60" y="284"/>
+                  </a:lnTo>
+                  <a:lnTo>
+                    <a:pt x="62" y="292"/>
+                  </a:lnTo>
+                  <a:lnTo>
+                    <a:pt x="68" y="298"/>
+                  </a:lnTo>
+                  <a:lnTo>
+                    <a:pt x="74" y="302"/>
+                  </a:lnTo>
+                  <a:lnTo>
+                    <a:pt x="82" y="304"/>
+                  </a:lnTo>
+                  <a:lnTo>
+                    <a:pt x="82" y="304"/>
+                  </a:lnTo>
+                  <a:lnTo>
+                    <a:pt x="84" y="304"/>
+                  </a:lnTo>
+                  <a:lnTo>
+                    <a:pt x="84" y="304"/>
+                  </a:lnTo>
+                  <a:lnTo>
+                    <a:pt x="92" y="302"/>
+                  </a:lnTo>
+                  <a:lnTo>
+                    <a:pt x="100" y="296"/>
+                  </a:lnTo>
+                  <a:lnTo>
+                    <a:pt x="104" y="288"/>
+                  </a:lnTo>
+                  <a:lnTo>
+                    <a:pt x="104" y="280"/>
+                  </a:lnTo>
+                  <a:lnTo>
+                    <a:pt x="104" y="280"/>
+                  </a:lnTo>
+                  <a:lnTo>
+                    <a:pt x="102" y="220"/>
+                  </a:lnTo>
+                  <a:lnTo>
+                    <a:pt x="100" y="158"/>
+                  </a:lnTo>
+                  <a:lnTo>
+                    <a:pt x="100" y="158"/>
+                  </a:lnTo>
+                  <a:lnTo>
+                    <a:pt x="120" y="160"/>
+                  </a:lnTo>
+                  <a:lnTo>
+                    <a:pt x="120" y="160"/>
+                  </a:lnTo>
+                  <a:lnTo>
+                    <a:pt x="140" y="158"/>
+                  </a:lnTo>
+                  <a:lnTo>
+                    <a:pt x="140" y="158"/>
+                  </a:lnTo>
+                  <a:lnTo>
+                    <a:pt x="138" y="220"/>
+                  </a:lnTo>
+                  <a:lnTo>
+                    <a:pt x="134" y="280"/>
+                  </a:lnTo>
+                  <a:lnTo>
+                    <a:pt x="134" y="280"/>
+                  </a:lnTo>
+                  <a:lnTo>
+                    <a:pt x="136" y="290"/>
+                  </a:lnTo>
+                  <a:lnTo>
+                    <a:pt x="140" y="296"/>
+                  </a:lnTo>
+                  <a:lnTo>
+                    <a:pt x="146" y="302"/>
+                  </a:lnTo>
+                  <a:lnTo>
+                    <a:pt x="154" y="304"/>
+                  </a:lnTo>
+                  <a:lnTo>
+                    <a:pt x="154" y="304"/>
+                  </a:lnTo>
+                  <a:lnTo>
+                    <a:pt x="156" y="304"/>
+                  </a:lnTo>
+                  <a:lnTo>
+                    <a:pt x="156" y="304"/>
+                  </a:lnTo>
+                  <a:lnTo>
+                    <a:pt x="164" y="302"/>
+                  </a:lnTo>
+                  <a:lnTo>
+                    <a:pt x="172" y="298"/>
+                  </a:lnTo>
+                  <a:lnTo>
+                    <a:pt x="176" y="292"/>
+                  </a:lnTo>
+                  <a:lnTo>
+                    <a:pt x="178" y="284"/>
+                  </a:lnTo>
+                  <a:lnTo>
+                    <a:pt x="178" y="284"/>
+                  </a:lnTo>
+                  <a:lnTo>
+                    <a:pt x="182" y="212"/>
+                  </a:lnTo>
+                  <a:lnTo>
+                    <a:pt x="182" y="136"/>
+                  </a:lnTo>
+                  <a:lnTo>
+                    <a:pt x="182" y="136"/>
+                  </a:lnTo>
+                  <a:lnTo>
+                    <a:pt x="184" y="134"/>
+                  </a:lnTo>
+                  <a:lnTo>
+                    <a:pt x="184" y="80"/>
+                  </a:lnTo>
+                  <a:lnTo>
+                    <a:pt x="184" y="80"/>
+                  </a:lnTo>
+                  <a:lnTo>
+                    <a:pt x="182" y="72"/>
+                  </a:lnTo>
+                  <a:lnTo>
+                    <a:pt x="182" y="72"/>
+                  </a:lnTo>
+                  <a:lnTo>
+                    <a:pt x="194" y="112"/>
+                  </a:lnTo>
+                  <a:lnTo>
+                    <a:pt x="204" y="154"/>
+                  </a:lnTo>
+                  <a:lnTo>
+                    <a:pt x="204" y="154"/>
+                  </a:lnTo>
+                  <a:lnTo>
+                    <a:pt x="206" y="160"/>
+                  </a:lnTo>
+                  <a:lnTo>
+                    <a:pt x="210" y="164"/>
+                  </a:lnTo>
+                  <a:lnTo>
+                    <a:pt x="216" y="168"/>
+                  </a:lnTo>
+                  <a:lnTo>
+                    <a:pt x="222" y="168"/>
+                  </a:lnTo>
+                  <a:lnTo>
+                    <a:pt x="222" y="168"/>
+                  </a:lnTo>
+                  <a:close/>
+                </a:path>
+              </a:pathLst>
+            </a:custGeom>
+            <a:grpFill/>
+            <a:ln w="9525">
+              <a:noFill/>
+              <a:round/>
+              <a:headEnd/>
+              <a:tailEnd/>
+            </a:ln>
+          </p:spPr>
+          <p:txBody>
+            <a:bodyPr vert="horz" wrap="square" lIns="121920" tIns="60960" rIns="121920" bIns="60960" numCol="1" anchor="t" anchorCtr="0" compatLnSpc="1">
+              <a:prstTxWarp prst="textNoShape">
+                <a:avLst/>
+              </a:prstTxWarp>
+            </a:bodyPr>
+            <a:lstStyle/>
+            <a:p>
+              <a:endParaRPr lang="zh-CN" altLang="en-US" sz="3200"/>
+            </a:p>
+          </p:txBody>
+        </p:sp>
+        <p:sp>
+          <p:nvSpPr>
+            <p:cNvPr id="12" name="Freeform 99"/>
+            <p:cNvSpPr>
+              <a:spLocks/>
+            </p:cNvSpPr>
+            <p:nvPr/>
+          </p:nvSpPr>
+          <p:spPr bwMode="auto">
+            <a:xfrm>
+              <a:off x="622300" y="1724025"/>
+              <a:ext cx="219075" cy="219075"/>
+            </a:xfrm>
+            <a:custGeom>
+              <a:avLst/>
+              <a:gdLst/>
+              <a:ahLst/>
+              <a:cxnLst>
+                <a:cxn ang="0">
+                  <a:pos x="70" y="0"/>
+                </a:cxn>
+                <a:cxn ang="0">
+                  <a:pos x="70" y="0"/>
+                </a:cxn>
+                <a:cxn ang="0">
+                  <a:pos x="84" y="0"/>
+                </a:cxn>
+                <a:cxn ang="0">
+                  <a:pos x="96" y="4"/>
+                </a:cxn>
+                <a:cxn ang="0">
+                  <a:pos x="108" y="12"/>
+                </a:cxn>
+                <a:cxn ang="0">
+                  <a:pos x="118" y="20"/>
+                </a:cxn>
+                <a:cxn ang="0">
+                  <a:pos x="126" y="30"/>
+                </a:cxn>
+                <a:cxn ang="0">
+                  <a:pos x="134" y="42"/>
+                </a:cxn>
+                <a:cxn ang="0">
+                  <a:pos x="138" y="54"/>
+                </a:cxn>
+                <a:cxn ang="0">
+                  <a:pos x="138" y="68"/>
+                </a:cxn>
+                <a:cxn ang="0">
+                  <a:pos x="138" y="68"/>
+                </a:cxn>
+                <a:cxn ang="0">
+                  <a:pos x="138" y="82"/>
+                </a:cxn>
+                <a:cxn ang="0">
+                  <a:pos x="134" y="96"/>
+                </a:cxn>
+                <a:cxn ang="0">
+                  <a:pos x="126" y="106"/>
+                </a:cxn>
+                <a:cxn ang="0">
+                  <a:pos x="118" y="118"/>
+                </a:cxn>
+                <a:cxn ang="0">
+                  <a:pos x="108" y="126"/>
+                </a:cxn>
+                <a:cxn ang="0">
+                  <a:pos x="96" y="132"/>
+                </a:cxn>
+                <a:cxn ang="0">
+                  <a:pos x="84" y="136"/>
+                </a:cxn>
+                <a:cxn ang="0">
+                  <a:pos x="70" y="138"/>
+                </a:cxn>
+                <a:cxn ang="0">
+                  <a:pos x="70" y="138"/>
+                </a:cxn>
+                <a:cxn ang="0">
+                  <a:pos x="56" y="136"/>
+                </a:cxn>
+                <a:cxn ang="0">
+                  <a:pos x="42" y="132"/>
+                </a:cxn>
+                <a:cxn ang="0">
+                  <a:pos x="32" y="126"/>
+                </a:cxn>
+                <a:cxn ang="0">
+                  <a:pos x="20" y="118"/>
+                </a:cxn>
+                <a:cxn ang="0">
+                  <a:pos x="12" y="106"/>
+                </a:cxn>
+                <a:cxn ang="0">
+                  <a:pos x="6" y="96"/>
+                </a:cxn>
+                <a:cxn ang="0">
+                  <a:pos x="2" y="82"/>
+                </a:cxn>
+                <a:cxn ang="0">
+                  <a:pos x="0" y="68"/>
+                </a:cxn>
+                <a:cxn ang="0">
+                  <a:pos x="0" y="68"/>
+                </a:cxn>
+                <a:cxn ang="0">
+                  <a:pos x="2" y="54"/>
+                </a:cxn>
+                <a:cxn ang="0">
+                  <a:pos x="6" y="42"/>
+                </a:cxn>
+                <a:cxn ang="0">
+                  <a:pos x="12" y="30"/>
+                </a:cxn>
+                <a:cxn ang="0">
+                  <a:pos x="20" y="20"/>
+                </a:cxn>
+                <a:cxn ang="0">
+                  <a:pos x="32" y="12"/>
+                </a:cxn>
+                <a:cxn ang="0">
+                  <a:pos x="42" y="4"/>
+                </a:cxn>
+                <a:cxn ang="0">
+                  <a:pos x="56" y="0"/>
+                </a:cxn>
+                <a:cxn ang="0">
+                  <a:pos x="70" y="0"/>
+                </a:cxn>
+                <a:cxn ang="0">
+                  <a:pos x="70" y="0"/>
+                </a:cxn>
+              </a:cxnLst>
+              <a:rect l="0" t="0" r="r" b="b"/>
+              <a:pathLst>
+                <a:path w="138" h="138">
+                  <a:moveTo>
+                    <a:pt x="70" y="0"/>
+                  </a:moveTo>
+                  <a:lnTo>
+                    <a:pt x="70" y="0"/>
+                  </a:lnTo>
+                  <a:lnTo>
+                    <a:pt x="84" y="0"/>
+                  </a:lnTo>
+                  <a:lnTo>
+                    <a:pt x="96" y="4"/>
+                  </a:lnTo>
+                  <a:lnTo>
+                    <a:pt x="108" y="12"/>
+                  </a:lnTo>
+                  <a:lnTo>
+                    <a:pt x="118" y="20"/>
+                  </a:lnTo>
+                  <a:lnTo>
+                    <a:pt x="126" y="30"/>
+                  </a:lnTo>
+                  <a:lnTo>
+                    <a:pt x="134" y="42"/>
+                  </a:lnTo>
+                  <a:lnTo>
+                    <a:pt x="138" y="54"/>
+                  </a:lnTo>
+                  <a:lnTo>
+                    <a:pt x="138" y="68"/>
+                  </a:lnTo>
+                  <a:lnTo>
+                    <a:pt x="138" y="68"/>
+                  </a:lnTo>
+                  <a:lnTo>
+                    <a:pt x="138" y="82"/>
+                  </a:lnTo>
+                  <a:lnTo>
+                    <a:pt x="134" y="96"/>
+                  </a:lnTo>
+                  <a:lnTo>
+                    <a:pt x="126" y="106"/>
+                  </a:lnTo>
+                  <a:lnTo>
+                    <a:pt x="118" y="118"/>
+                  </a:lnTo>
+                  <a:lnTo>
+                    <a:pt x="108" y="126"/>
+                  </a:lnTo>
+                  <a:lnTo>
+                    <a:pt x="96" y="132"/>
+                  </a:lnTo>
+                  <a:lnTo>
+                    <a:pt x="84" y="136"/>
+                  </a:lnTo>
+                  <a:lnTo>
+                    <a:pt x="70" y="138"/>
+                  </a:lnTo>
+                  <a:lnTo>
+                    <a:pt x="70" y="138"/>
+                  </a:lnTo>
+                  <a:lnTo>
+                    <a:pt x="56" y="136"/>
+                  </a:lnTo>
+                  <a:lnTo>
+                    <a:pt x="42" y="132"/>
+                  </a:lnTo>
+                  <a:lnTo>
+                    <a:pt x="32" y="126"/>
+                  </a:lnTo>
+                  <a:lnTo>
+                    <a:pt x="20" y="118"/>
+                  </a:lnTo>
+                  <a:lnTo>
+                    <a:pt x="12" y="106"/>
+                  </a:lnTo>
+                  <a:lnTo>
+                    <a:pt x="6" y="96"/>
+                  </a:lnTo>
+                  <a:lnTo>
+                    <a:pt x="2" y="82"/>
+                  </a:lnTo>
+                  <a:lnTo>
+                    <a:pt x="0" y="68"/>
+                  </a:lnTo>
+                  <a:lnTo>
+                    <a:pt x="0" y="68"/>
+                  </a:lnTo>
+                  <a:lnTo>
+                    <a:pt x="2" y="54"/>
+                  </a:lnTo>
+                  <a:lnTo>
+                    <a:pt x="6" y="42"/>
+                  </a:lnTo>
+                  <a:lnTo>
+                    <a:pt x="12" y="30"/>
+                  </a:lnTo>
+                  <a:lnTo>
+                    <a:pt x="20" y="20"/>
+                  </a:lnTo>
+                  <a:lnTo>
+                    <a:pt x="32" y="12"/>
+                  </a:lnTo>
+                  <a:lnTo>
+                    <a:pt x="42" y="4"/>
+                  </a:lnTo>
+                  <a:lnTo>
+                    <a:pt x="56" y="0"/>
+                  </a:lnTo>
+                  <a:lnTo>
+                    <a:pt x="70" y="0"/>
+                  </a:lnTo>
+                  <a:lnTo>
+                    <a:pt x="70" y="0"/>
+                  </a:lnTo>
+                  <a:close/>
+                </a:path>
+              </a:pathLst>
+            </a:custGeom>
+            <a:grpFill/>
+            <a:ln w="9525">
+              <a:noFill/>
+              <a:round/>
+              <a:headEnd/>
+              <a:tailEnd/>
+            </a:ln>
+          </p:spPr>
+          <p:txBody>
+            <a:bodyPr vert="horz" wrap="square" lIns="121920" tIns="60960" rIns="121920" bIns="60960" numCol="1" anchor="t" anchorCtr="0" compatLnSpc="1">
+              <a:prstTxWarp prst="textNoShape">
+                <a:avLst/>
+              </a:prstTxWarp>
+            </a:bodyPr>
+            <a:lstStyle/>
+            <a:p>
+              <a:endParaRPr lang="zh-CN" altLang="en-US" sz="3200"/>
+            </a:p>
+          </p:txBody>
+        </p:sp>
+      </p:grpSp>
     </p:spTree>
     <p:extLst>
       <p:ext uri="{BB962C8B-B14F-4D97-AF65-F5344CB8AC3E}">
@@ -9850,24 +13795,7 @@
                   </a:outerShdw>
                 </a:effectLst>
               </a:rPr>
-              <a:t>時間表</a:t>
-            </a:r>
-            <a:r>
-              <a:rPr lang="zh-TW" altLang="en-US" sz="5400" b="1" dirty="0" smtClean="0">
-                <a:solidFill>
-                  <a:schemeClr val="accent5">
-                    <a:lumMod val="75000"/>
-                  </a:schemeClr>
-                </a:solidFill>
-                <a:effectLst>
-                  <a:outerShdw blurRad="38100" dist="38100" dir="2700000" algn="tl">
-                    <a:srgbClr val="000000">
-                      <a:alpha val="43137"/>
-                    </a:srgbClr>
-                  </a:outerShdw>
-                </a:effectLst>
-              </a:rPr>
-              <a:t>發</a:t>
+              <a:t>時間表發</a:t>
             </a:r>
             <a:r>
               <a:rPr lang="zh-TW" altLang="en-US" sz="5400" b="1" dirty="0">
@@ -9886,20 +13814,6 @@
               </a:rPr>
               <a:t>想</a:t>
             </a:r>
-            <a:endParaRPr lang="zh-TW" altLang="en-US" sz="5400" b="1" dirty="0">
-              <a:solidFill>
-                <a:schemeClr val="accent5">
-                  <a:lumMod val="75000"/>
-                </a:schemeClr>
-              </a:solidFill>
-              <a:effectLst>
-                <a:outerShdw blurRad="38100" dist="38100" dir="2700000" algn="tl">
-                  <a:srgbClr val="000000">
-                    <a:alpha val="43137"/>
-                  </a:srgbClr>
-                </a:outerShdw>
-              </a:effectLst>
-            </a:endParaRPr>
           </a:p>
         </p:txBody>
       </p:sp>
@@ -9934,29 +13848,7 @@
                 </a:solidFill>
                 <a:latin typeface="+mn-ea"/>
               </a:rPr>
-              <a:t>我們每個禮拜五固定會去找指導老師實作，討論遊戲的</a:t>
-            </a:r>
-            <a:r>
-              <a:rPr lang="zh-TW" altLang="en-US" sz="2800" b="1" dirty="0" smtClean="0">
-                <a:solidFill>
-                  <a:schemeClr val="accent3">
-                    <a:lumMod val="75000"/>
-                  </a:schemeClr>
-                </a:solidFill>
-                <a:latin typeface="+mn-ea"/>
-              </a:rPr>
-              <a:t>內容</a:t>
-            </a:r>
-            <a:r>
-              <a:rPr lang="zh-TW" altLang="en-US" sz="2800" b="1" dirty="0" smtClean="0">
-                <a:solidFill>
-                  <a:schemeClr val="accent3">
-                    <a:lumMod val="75000"/>
-                  </a:schemeClr>
-                </a:solidFill>
-                <a:latin typeface="+mn-ea"/>
-              </a:rPr>
-              <a:t>。</a:t>
+              <a:t>我們每個禮拜五固定會去找指導老師實作，討論遊戲的內容。</a:t>
             </a:r>
             <a:endParaRPr lang="en-US" altLang="zh-TW" sz="2800" b="1" dirty="0" smtClean="0">
               <a:solidFill>
@@ -9977,18 +13869,7 @@
                 </a:solidFill>
                 <a:latin typeface="+mn-ea"/>
               </a:rPr>
-              <a:t>每一次實作練習的了解，發現沒有這麼簡單，</a:t>
-            </a:r>
-            <a:r>
-              <a:rPr lang="zh-TW" altLang="en-US" sz="2800" b="1" dirty="0" smtClean="0">
-                <a:solidFill>
-                  <a:schemeClr val="accent3">
-                    <a:lumMod val="75000"/>
-                  </a:schemeClr>
-                </a:solidFill>
-                <a:latin typeface="+mn-ea"/>
-              </a:rPr>
-              <a:t>光是遊戲攝影機的角度，就十分難調整，之後打算讓鏡頭跟著人物動作。</a:t>
+              <a:t>每一次實作練習的了解，發現沒有這麼簡單，光是遊戲攝影機的角度，就十分難調整，之後打算讓鏡頭跟著人物動作。</a:t>
             </a:r>
             <a:endParaRPr lang="en-US" altLang="zh-TW" sz="2800" b="1" dirty="0" smtClean="0">
               <a:solidFill>
@@ -10091,7 +13972,7 @@
           <p:nvPr>
             <p:extLst>
               <p:ext uri="{D42A27DB-BD31-4B8C-83A1-F6EECF244321}">
-                <p14:modId xmlns:p14="http://schemas.microsoft.com/office/powerpoint/2010/main" val="1894138548"/>
+                <p14:modId xmlns:p14="http://schemas.microsoft.com/office/powerpoint/2010/main" val="1121334724"/>
               </p:ext>
             </p:extLst>
           </p:nvPr>
@@ -10251,13 +14132,6 @@
                         </a:rPr>
                         <a:t>11/3~12/1</a:t>
                       </a:r>
-                      <a:endParaRPr lang="en-US" altLang="zh-TW" sz="1800" b="1" dirty="0" smtClean="0">
-                        <a:solidFill>
-                          <a:schemeClr val="accent3"/>
-                        </a:solidFill>
-                        <a:latin typeface="+mn-ea"/>
-                        <a:ea typeface="+mn-ea"/>
-                      </a:endParaRPr>
                     </a:p>
                   </a:txBody>
                   <a:tcPr/>
@@ -10514,6 +14388,17 @@
                         <a:defRPr/>
                       </a:pPr>
                       <a:r>
+                        <a:rPr lang="zh-TW" altLang="en-US" sz="1800" dirty="0" smtClean="0">
+                          <a:solidFill>
+                            <a:schemeClr val="accent3">
+                              <a:lumMod val="75000"/>
+                            </a:schemeClr>
+                          </a:solidFill>
+                          <a:latin typeface="+mn-ea"/>
+                        </a:rPr>
+                        <a:t>        </a:t>
+                      </a:r>
+                      <a:r>
                         <a:rPr lang="zh-TW" altLang="en-US" sz="2400" dirty="0" smtClean="0">
                           <a:solidFill>
                             <a:schemeClr val="accent3">
@@ -10522,9 +14407,16 @@
                           </a:solidFill>
                           <a:latin typeface="+mn-ea"/>
                         </a:rPr>
-                        <a:t>攝影機角度調整   </a:t>
+                        <a:t>物理特性調整</a:t>
                       </a:r>
-                      <a:endParaRPr lang="zh-TW" altLang="en-US" sz="2400" dirty="0"/>
+                      <a:endParaRPr lang="en-US" altLang="zh-TW" sz="2400" dirty="0" smtClean="0">
+                        <a:solidFill>
+                          <a:schemeClr val="accent3">
+                            <a:lumMod val="75000"/>
+                          </a:schemeClr>
+                        </a:solidFill>
+                        <a:latin typeface="+mn-ea"/>
+                      </a:endParaRPr>
                     </a:p>
                   </a:txBody>
                   <a:tcPr/>
@@ -10567,13 +14459,6 @@
                         </a:rPr>
                         <a:t>12/22~12/29</a:t>
                       </a:r>
-                      <a:endParaRPr lang="en-US" altLang="zh-TW" sz="1800" b="1" dirty="0" smtClean="0">
-                        <a:solidFill>
-                          <a:schemeClr val="accent3"/>
-                        </a:solidFill>
-                        <a:latin typeface="+mn-ea"/>
-                        <a:ea typeface="+mn-ea"/>
-                      </a:endParaRPr>
                     </a:p>
                   </a:txBody>
                   <a:tcPr/>
@@ -10790,20 +14675,6 @@
               </a:rPr>
               <a:t>劃</a:t>
             </a:r>
-            <a:endParaRPr lang="zh-TW" altLang="en-US" sz="5400" b="1" dirty="0">
-              <a:solidFill>
-                <a:schemeClr val="accent5">
-                  <a:lumMod val="75000"/>
-                </a:schemeClr>
-              </a:solidFill>
-              <a:effectLst>
-                <a:outerShdw blurRad="38100" dist="38100" dir="2700000" algn="tl">
-                  <a:srgbClr val="000000">
-                    <a:alpha val="43137"/>
-                  </a:srgbClr>
-                </a:outerShdw>
-              </a:effectLst>
-            </a:endParaRPr>
           </a:p>
         </p:txBody>
       </p:sp>
@@ -10817,10 +14688,112 @@
   <p:clrMapOvr>
     <a:masterClrMapping/>
   </p:clrMapOvr>
+  <p:timing>
+    <p:tnLst>
+      <p:par>
+        <p:cTn id="1" dur="indefinite" restart="never" nodeType="tmRoot"/>
+      </p:par>
+    </p:tnLst>
+  </p:timing>
 </p:sld>
 </file>
 
 <file path=ppt/slides/slide8.xml><?xml version="1.0" encoding="utf-8"?>
+<p:sld xmlns:a="http://schemas.openxmlformats.org/drawingml/2006/main" xmlns:r="http://schemas.openxmlformats.org/officeDocument/2006/relationships" xmlns:p="http://schemas.openxmlformats.org/presentationml/2006/main">
+  <p:cSld>
+    <p:spTree>
+      <p:nvGrpSpPr>
+        <p:cNvPr id="1" name=""/>
+        <p:cNvGrpSpPr/>
+        <p:nvPr/>
+      </p:nvGrpSpPr>
+      <p:grpSpPr>
+        <a:xfrm>
+          <a:off x="0" y="0"/>
+          <a:ext cx="0" cy="0"/>
+          <a:chOff x="0" y="0"/>
+          <a:chExt cx="0" cy="0"/>
+        </a:xfrm>
+      </p:grpSpPr>
+      <p:sp>
+        <p:nvSpPr>
+          <p:cNvPr id="2" name="標題 1"/>
+          <p:cNvSpPr>
+            <a:spLocks noGrp="1"/>
+          </p:cNvSpPr>
+          <p:nvPr>
+            <p:ph type="title"/>
+          </p:nvPr>
+        </p:nvSpPr>
+        <p:spPr>
+          <a:xfrm>
+            <a:off x="3923928" y="188640"/>
+            <a:ext cx="1618687" cy="860674"/>
+          </a:xfrm>
+        </p:spPr>
+        <p:txBody>
+          <a:bodyPr/>
+          <a:lstStyle/>
+          <a:p>
+            <a:r>
+              <a:rPr lang="zh-TW" altLang="en-US" dirty="0" smtClean="0">
+                <a:solidFill>
+                  <a:schemeClr val="accent3">
+                    <a:lumMod val="75000"/>
+                  </a:schemeClr>
+                </a:solidFill>
+              </a:rPr>
+              <a:t>甘特圖</a:t>
+            </a:r>
+            <a:endParaRPr lang="zh-TW" altLang="en-US" dirty="0">
+              <a:solidFill>
+                <a:schemeClr val="accent3">
+                  <a:lumMod val="75000"/>
+                </a:schemeClr>
+              </a:solidFill>
+            </a:endParaRPr>
+          </a:p>
+        </p:txBody>
+      </p:sp>
+      <p:graphicFrame>
+        <p:nvGraphicFramePr>
+          <p:cNvPr id="4" name="內容版面配置區 3"/>
+          <p:cNvGraphicFramePr>
+            <a:graphicFrameLocks noGrp="1"/>
+          </p:cNvGraphicFramePr>
+          <p:nvPr>
+            <p:ph idx="1"/>
+            <p:extLst>
+              <p:ext uri="{D42A27DB-BD31-4B8C-83A1-F6EECF244321}">
+                <p14:modId xmlns:p14="http://schemas.microsoft.com/office/powerpoint/2010/main" val="3881847834"/>
+              </p:ext>
+            </p:extLst>
+          </p:nvPr>
+        </p:nvGraphicFramePr>
+        <p:xfrm>
+          <a:off x="736827" y="1028873"/>
+          <a:ext cx="7992888" cy="5661248"/>
+        </p:xfrm>
+        <a:graphic>
+          <a:graphicData uri="http://schemas.openxmlformats.org/drawingml/2006/chart">
+            <c:chart xmlns:c="http://schemas.openxmlformats.org/drawingml/2006/chart" xmlns:r="http://schemas.openxmlformats.org/officeDocument/2006/relationships" r:id="rId2"/>
+          </a:graphicData>
+        </a:graphic>
+      </p:graphicFrame>
+    </p:spTree>
+    <p:extLst>
+      <p:ext uri="{BB962C8B-B14F-4D97-AF65-F5344CB8AC3E}">
+        <p14:creationId xmlns:p14="http://schemas.microsoft.com/office/powerpoint/2010/main" val="2824571563"/>
+      </p:ext>
+    </p:extLst>
+  </p:cSld>
+  <p:clrMapOvr>
+    <a:masterClrMapping/>
+  </p:clrMapOvr>
+</p:sld>
+</file>
+
+<file path=ppt/slides/slide9.xml><?xml version="1.0" encoding="utf-8"?>
 <p:sld xmlns:a="http://schemas.openxmlformats.org/drawingml/2006/main" xmlns:r="http://schemas.openxmlformats.org/officeDocument/2006/relationships" xmlns:p="http://schemas.openxmlformats.org/presentationml/2006/main">
   <p:cSld>
     <p:spTree>
@@ -10945,40 +14918,7 @@
                 </a:solidFill>
                 <a:latin typeface="+mn-ea"/>
               </a:rPr>
-              <a:t>做</a:t>
-            </a:r>
-            <a:r>
-              <a:rPr lang="zh-TW" altLang="en-US" sz="3200" b="1" dirty="0" smtClean="0">
-                <a:solidFill>
-                  <a:schemeClr val="accent3">
-                    <a:lumMod val="75000"/>
-                  </a:schemeClr>
-                </a:solidFill>
-                <a:latin typeface="+mn-ea"/>
-              </a:rPr>
-              <a:t>手機</a:t>
-            </a:r>
-            <a:r>
-              <a:rPr lang="zh-TW" altLang="en-US" sz="3200" b="1" dirty="0" smtClean="0">
-                <a:solidFill>
-                  <a:schemeClr val="accent3">
-                    <a:lumMod val="75000"/>
-                  </a:schemeClr>
-                </a:solidFill>
-                <a:latin typeface="+mn-ea"/>
-              </a:rPr>
-              <a:t>遊戲</a:t>
-            </a:r>
-            <a:r>
-              <a:rPr lang="zh-TW" altLang="en-US" sz="3200" b="1" dirty="0" smtClean="0">
-                <a:solidFill>
-                  <a:schemeClr val="accent3">
-                    <a:lumMod val="75000"/>
-                  </a:schemeClr>
-                </a:solidFill>
-                <a:latin typeface="+mn-ea"/>
-              </a:rPr>
-              <a:t>內容相當繁瑣，光源，用什麼樣的人物，地形，動作等等，有些現有資源還要花錢，這段時間我一直匯入相關免費的模組</a:t>
+              <a:t>做手機遊戲內容相當繁瑣，光源，用什麼樣的人物，地形，動作等等，有些現有資源還要花錢，這段時間我一直匯入相關免費的模組</a:t>
             </a:r>
             <a:r>
               <a:rPr lang="zh-TW" altLang="en-US" sz="3200" b="1" dirty="0">
@@ -11045,249 +14985,10 @@
 </p:sld>
 </file>
 
-<file path=ppt/slides/slide9.xml><?xml version="1.0" encoding="utf-8"?>
-<p:sld xmlns:a="http://schemas.openxmlformats.org/drawingml/2006/main" xmlns:r="http://schemas.openxmlformats.org/officeDocument/2006/relationships" xmlns:p="http://schemas.openxmlformats.org/presentationml/2006/main">
-  <p:cSld>
-    <p:spTree>
-      <p:nvGrpSpPr>
-        <p:cNvPr id="1" name=""/>
-        <p:cNvGrpSpPr/>
-        <p:nvPr/>
-      </p:nvGrpSpPr>
-      <p:grpSpPr>
-        <a:xfrm>
-          <a:off x="0" y="0"/>
-          <a:ext cx="0" cy="0"/>
-          <a:chOff x="0" y="0"/>
-          <a:chExt cx="0" cy="0"/>
-        </a:xfrm>
-      </p:grpSpPr>
-      <p:sp>
-        <p:nvSpPr>
-          <p:cNvPr id="3" name="標題 2"/>
-          <p:cNvSpPr>
-            <a:spLocks noGrp="1"/>
-          </p:cNvSpPr>
-          <p:nvPr>
-            <p:ph type="title"/>
-          </p:nvPr>
-        </p:nvSpPr>
-        <p:spPr>
-          <a:xfrm>
-            <a:off x="2195736" y="3356992"/>
-            <a:ext cx="5112568" cy="1656184"/>
-          </a:xfrm>
-        </p:spPr>
-        <p:txBody>
-          <a:bodyPr>
-            <a:noAutofit/>
-          </a:bodyPr>
-          <a:lstStyle/>
-          <a:p>
-            <a:r>
-              <a:rPr lang="zh-TW" altLang="en-US" sz="9600" b="1" dirty="0" smtClean="0">
-                <a:solidFill>
-                  <a:schemeClr val="accent1">
-                    <a:lumMod val="75000"/>
-                  </a:schemeClr>
-                </a:solidFill>
-                <a:effectLst>
-                  <a:outerShdw blurRad="38100" dist="38100" dir="2700000" algn="tl">
-                    <a:srgbClr val="000000">
-                      <a:alpha val="43137"/>
-                    </a:srgbClr>
-                  </a:outerShdw>
-                </a:effectLst>
-              </a:rPr>
-              <a:t>謝謝老</a:t>
-            </a:r>
-            <a:r>
-              <a:rPr lang="zh-TW" altLang="en-US" sz="9600" b="1" dirty="0">
-                <a:solidFill>
-                  <a:schemeClr val="accent1">
-                    <a:lumMod val="75000"/>
-                  </a:schemeClr>
-                </a:solidFill>
-                <a:effectLst>
-                  <a:outerShdw blurRad="38100" dist="38100" dir="2700000" algn="tl">
-                    <a:srgbClr val="000000">
-                      <a:alpha val="43137"/>
-                    </a:srgbClr>
-                  </a:outerShdw>
-                </a:effectLst>
-              </a:rPr>
-              <a:t>師</a:t>
-            </a:r>
-          </a:p>
-        </p:txBody>
-      </p:sp>
-      <p:sp>
-        <p:nvSpPr>
-          <p:cNvPr id="5" name="標題 2"/>
-          <p:cNvSpPr txBox="1">
-            <a:spLocks/>
-          </p:cNvSpPr>
-          <p:nvPr/>
-        </p:nvSpPr>
-        <p:spPr>
-          <a:xfrm>
-            <a:off x="2195736" y="1124744"/>
-            <a:ext cx="5112568" cy="1656184"/>
-          </a:xfrm>
-          <a:prstGeom prst="rect">
-            <a:avLst/>
-          </a:prstGeom>
-        </p:spPr>
-        <p:txBody>
-          <a:bodyPr vert="horz" lIns="91440" tIns="45720" rIns="91440" bIns="45720" rtlCol="0" anchor="t">
-            <a:noAutofit/>
-          </a:bodyPr>
-          <a:lstStyle>
-            <a:lvl1pPr algn="l" defTabSz="457200" rtl="0" eaLnBrk="1" latinLnBrk="0" hangingPunct="1">
-              <a:spcBef>
-                <a:spcPct val="0"/>
-              </a:spcBef>
-              <a:buNone/>
-              <a:defRPr sz="3600" kern="1200">
-                <a:solidFill>
-                  <a:schemeClr val="tx1">
-                    <a:lumMod val="85000"/>
-                    <a:lumOff val="15000"/>
-                  </a:schemeClr>
-                </a:solidFill>
-                <a:latin typeface="+mj-lt"/>
-                <a:ea typeface="+mj-ea"/>
-                <a:cs typeface="+mj-cs"/>
-              </a:defRPr>
-            </a:lvl1pPr>
-            <a:lvl2pPr eaLnBrk="1" hangingPunct="1">
-              <a:defRPr>
-                <a:solidFill>
-                  <a:schemeClr val="tx2"/>
-                </a:solidFill>
-              </a:defRPr>
-            </a:lvl2pPr>
-            <a:lvl3pPr eaLnBrk="1" hangingPunct="1">
-              <a:defRPr>
-                <a:solidFill>
-                  <a:schemeClr val="tx2"/>
-                </a:solidFill>
-              </a:defRPr>
-            </a:lvl3pPr>
-            <a:lvl4pPr eaLnBrk="1" hangingPunct="1">
-              <a:defRPr>
-                <a:solidFill>
-                  <a:schemeClr val="tx2"/>
-                </a:solidFill>
-              </a:defRPr>
-            </a:lvl4pPr>
-            <a:lvl5pPr eaLnBrk="1" hangingPunct="1">
-              <a:defRPr>
-                <a:solidFill>
-                  <a:schemeClr val="tx2"/>
-                </a:solidFill>
-              </a:defRPr>
-            </a:lvl5pPr>
-            <a:lvl6pPr eaLnBrk="1" hangingPunct="1">
-              <a:defRPr>
-                <a:solidFill>
-                  <a:schemeClr val="tx2"/>
-                </a:solidFill>
-              </a:defRPr>
-            </a:lvl6pPr>
-            <a:lvl7pPr eaLnBrk="1" hangingPunct="1">
-              <a:defRPr>
-                <a:solidFill>
-                  <a:schemeClr val="tx2"/>
-                </a:solidFill>
-              </a:defRPr>
-            </a:lvl7pPr>
-            <a:lvl8pPr eaLnBrk="1" hangingPunct="1">
-              <a:defRPr>
-                <a:solidFill>
-                  <a:schemeClr val="tx2"/>
-                </a:solidFill>
-              </a:defRPr>
-            </a:lvl8pPr>
-            <a:lvl9pPr eaLnBrk="1" hangingPunct="1">
-              <a:defRPr>
-                <a:solidFill>
-                  <a:schemeClr val="tx2"/>
-                </a:solidFill>
-              </a:defRPr>
-            </a:lvl9pPr>
-          </a:lstStyle>
-          <a:p>
-            <a:r>
-              <a:rPr lang="zh-TW" altLang="en-US" sz="9600" b="1" dirty="0" smtClean="0">
-                <a:solidFill>
-                  <a:schemeClr val="accent1">
-                    <a:lumMod val="75000"/>
-                  </a:schemeClr>
-                </a:solidFill>
-                <a:effectLst>
-                  <a:outerShdw blurRad="38100" dist="38100" dir="2700000" algn="tl">
-                    <a:srgbClr val="000000">
-                      <a:alpha val="43137"/>
-                    </a:srgbClr>
-                  </a:outerShdw>
-                </a:effectLst>
-              </a:rPr>
-              <a:t>報告結束</a:t>
-            </a:r>
-            <a:endParaRPr lang="zh-TW" altLang="en-US" sz="9600" b="1" dirty="0">
-              <a:solidFill>
-                <a:schemeClr val="accent1">
-                  <a:lumMod val="75000"/>
-                </a:schemeClr>
-              </a:solidFill>
-              <a:effectLst>
-                <a:outerShdw blurRad="38100" dist="38100" dir="2700000" algn="tl">
-                  <a:srgbClr val="000000">
-                    <a:alpha val="43137"/>
-                  </a:srgbClr>
-                </a:outerShdw>
-              </a:effectLst>
-            </a:endParaRPr>
-          </a:p>
-        </p:txBody>
-      </p:sp>
-    </p:spTree>
-    <p:extLst>
-      <p:ext uri="{BB962C8B-B14F-4D97-AF65-F5344CB8AC3E}">
-        <p14:creationId xmlns:p14="http://schemas.microsoft.com/office/powerpoint/2010/main" val="2772379036"/>
-      </p:ext>
-    </p:extLst>
-  </p:cSld>
-  <p:clrMapOvr>
-    <a:masterClrMapping/>
-  </p:clrMapOvr>
-  <mc:AlternateContent xmlns:mc="http://schemas.openxmlformats.org/markup-compatibility/2006" xmlns:p15="http://schemas.microsoft.com/office/powerpoint/2012/main">
-    <mc:Choice Requires="p15">
-      <p:transition xmlns:p14="http://schemas.microsoft.com/office/powerpoint/2010/main" spd="slow" p14:dur="6000">
-        <p15:prstTrans prst="curtains"/>
-      </p:transition>
-    </mc:Choice>
-    <mc:Fallback xmlns="">
-      <p:transition spd="slow">
-        <p:fade/>
-      </p:transition>
-    </mc:Fallback>
-  </mc:AlternateContent>
-  <p:timing>
-    <p:tnLst>
-      <p:par>
-        <p:cTn id="1" dur="indefinite" restart="never" nodeType="tmRoot"/>
-      </p:par>
-    </p:tnLst>
-  </p:timing>
-</p:sld>
-</file>
-
 <file path=ppt/theme/theme1.xml><?xml version="1.0" encoding="utf-8"?>
 <a:theme xmlns:a="http://schemas.openxmlformats.org/drawingml/2006/main" name="絲縷">
   <a:themeElements>
-    <a:clrScheme name="絲縷">
+    <a:clrScheme name="紅色">
       <a:dk1>
         <a:sysClr val="windowText" lastClr="000000"/>
       </a:dk1>
@@ -11295,34 +14996,34 @@
         <a:sysClr val="window" lastClr="FFFFFF"/>
       </a:lt1>
       <a:dk2>
-        <a:srgbClr val="766F54"/>
+        <a:srgbClr val="323232"/>
       </a:dk2>
       <a:lt2>
-        <a:srgbClr val="E3EACF"/>
+        <a:srgbClr val="E5C243"/>
       </a:lt2>
       <a:accent1>
-        <a:srgbClr val="A53010"/>
+        <a:srgbClr val="A5300F"/>
       </a:accent1>
       <a:accent2>
-        <a:srgbClr val="DE7E18"/>
+        <a:srgbClr val="D55816"/>
       </a:accent2>
       <a:accent3>
-        <a:srgbClr val="9F8351"/>
+        <a:srgbClr val="E19825"/>
       </a:accent3>
       <a:accent4>
-        <a:srgbClr val="728653"/>
+        <a:srgbClr val="B19C7D"/>
       </a:accent4>
       <a:accent5>
-        <a:srgbClr val="92AA4C"/>
+        <a:srgbClr val="7F5F52"/>
       </a:accent5>
       <a:accent6>
-        <a:srgbClr val="6AAC91"/>
+        <a:srgbClr val="B27D49"/>
       </a:accent6>
       <a:hlink>
-        <a:srgbClr val="FB4A18"/>
+        <a:srgbClr val="6B9F25"/>
       </a:hlink>
       <a:folHlink>
-        <a:srgbClr val="FB9318"/>
+        <a:srgbClr val="B26B02"/>
       </a:folHlink>
     </a:clrScheme>
     <a:fontScheme name="絲縷">
